--- a/08 Data Visualization with -mostly- ggplot2/08_ggplot2.pptx
+++ b/08 Data Visualization with -mostly- ggplot2/08_ggplot2.pptx
@@ -11,10 +11,8 @@
     <p:sldId id="480" r:id="rId5"/>
     <p:sldId id="481" r:id="rId6"/>
     <p:sldId id="482" r:id="rId7"/>
-    <p:sldId id="472" r:id="rId8"/>
-    <p:sldId id="473" r:id="rId9"/>
-    <p:sldId id="474" r:id="rId10"/>
-    <p:sldId id="470" r:id="rId11"/>
+    <p:sldId id="485" r:id="rId8"/>
+    <p:sldId id="484" r:id="rId9"/>
   </p:sldIdLst>
   <p:sldSz cx="9144000" cy="6858000" type="screen4x3"/>
   <p:notesSz cx="6858000" cy="9144000"/>
@@ -5032,309 +5030,6 @@
 </p:sld>
 </file>
 
-<file path=ppt/slides/slide10.xml><?xml version="1.0" encoding="utf-8"?>
-<p:sld xmlns:a="http://schemas.openxmlformats.org/drawingml/2006/main" xmlns:r="http://schemas.openxmlformats.org/officeDocument/2006/relationships" xmlns:p="http://schemas.openxmlformats.org/presentationml/2006/main">
-  <p:cSld>
-    <p:spTree>
-      <p:nvGrpSpPr>
-        <p:cNvPr id="1" name=""/>
-        <p:cNvGrpSpPr/>
-        <p:nvPr/>
-      </p:nvGrpSpPr>
-      <p:grpSpPr>
-        <a:xfrm>
-          <a:off x="0" y="0"/>
-          <a:ext cx="0" cy="0"/>
-          <a:chOff x="0" y="0"/>
-          <a:chExt cx="0" cy="0"/>
-        </a:xfrm>
-      </p:grpSpPr>
-      <p:sp>
-        <p:nvSpPr>
-          <p:cNvPr id="2" name="Title 1"/>
-          <p:cNvSpPr>
-            <a:spLocks noGrp="1"/>
-          </p:cNvSpPr>
-          <p:nvPr>
-            <p:ph type="title"/>
-          </p:nvPr>
-        </p:nvSpPr>
-        <p:spPr>
-          <a:xfrm>
-            <a:off x="76200" y="152400"/>
-            <a:ext cx="9144000" cy="1143000"/>
-          </a:xfrm>
-        </p:spPr>
-        <p:txBody>
-          <a:bodyPr anchor="ctr">
-            <a:normAutofit/>
-          </a:bodyPr>
-          <a:lstStyle/>
-          <a:p>
-            <a:pPr algn="ctr"/>
-            <a:r>
-              <a:rPr lang="en-US" sz="3600" b="1" dirty="0">
-                <a:latin typeface="Arial Unicode MS" panose="020B0604020202020204" pitchFamily="34" charset="-128"/>
-                <a:ea typeface="Arial Unicode MS" panose="020B0604020202020204" pitchFamily="34" charset="-128"/>
-                <a:cs typeface="Arial Unicode MS" panose="020B0604020202020204" pitchFamily="34" charset="-128"/>
-              </a:rPr>
-              <a:t>R script associated with this presentation</a:t>
-            </a:r>
-          </a:p>
-        </p:txBody>
-      </p:sp>
-      <p:sp>
-        <p:nvSpPr>
-          <p:cNvPr id="7" name="Text Placeholder 2"/>
-          <p:cNvSpPr txBox="1">
-            <a:spLocks/>
-          </p:cNvSpPr>
-          <p:nvPr/>
-        </p:nvSpPr>
-        <p:spPr>
-          <a:xfrm>
-            <a:off x="990600" y="2133600"/>
-            <a:ext cx="8153400" cy="4114800"/>
-          </a:xfrm>
-          <a:prstGeom prst="rect">
-            <a:avLst/>
-          </a:prstGeom>
-        </p:spPr>
-        <p:txBody>
-          <a:bodyPr>
-            <a:noAutofit/>
-          </a:bodyPr>
-          <a:lstStyle>
-            <a:lvl1pPr marL="365760" indent="-283464" algn="l" eaLnBrk="1" latinLnBrk="0" hangingPunct="1">
-              <a:lnSpc>
-                <a:spcPct val="100000"/>
-              </a:lnSpc>
-              <a:spcBef>
-                <a:spcPts val="600"/>
-              </a:spcBef>
-              <a:buClr>
-                <a:schemeClr val="accent1"/>
-              </a:buClr>
-              <a:buSzPct val="80000"/>
-              <a:buFont typeface="Wingdings 2"/>
-              <a:buChar char=""/>
-              <a:defRPr kumimoji="0" sz="3000">
-                <a:latin typeface="+mn-lt"/>
-              </a:defRPr>
-            </a:lvl1pPr>
-            <a:lvl2pPr marL="640080" lvl="1" indent="-237744" algn="l" eaLnBrk="1" latinLnBrk="0" hangingPunct="1">
-              <a:lnSpc>
-                <a:spcPct val="100000"/>
-              </a:lnSpc>
-              <a:spcBef>
-                <a:spcPts val="550"/>
-              </a:spcBef>
-              <a:buClr>
-                <a:schemeClr val="accent1"/>
-              </a:buClr>
-              <a:buFont typeface="Verdana"/>
-              <a:buChar char="◦"/>
-              <a:defRPr kumimoji="0" sz="2600">
-                <a:latin typeface="+mn-lt"/>
-              </a:defRPr>
-            </a:lvl2pPr>
-            <a:lvl3pPr marL="886968" indent="-228600" algn="l" eaLnBrk="1" latinLnBrk="0" hangingPunct="1">
-              <a:lnSpc>
-                <a:spcPct val="100000"/>
-              </a:lnSpc>
-              <a:buClr>
-                <a:schemeClr val="accent2"/>
-              </a:buClr>
-              <a:buFont typeface="Wingdings 2"/>
-              <a:buChar char=""/>
-              <a:defRPr kumimoji="0" sz="2400">
-                <a:latin typeface="+mn-lt"/>
-              </a:defRPr>
-            </a:lvl3pPr>
-            <a:lvl4pPr marL="1097280" indent="-173736" algn="l" eaLnBrk="1" latinLnBrk="0" hangingPunct="1">
-              <a:lnSpc>
-                <a:spcPct val="100000"/>
-              </a:lnSpc>
-              <a:buClr>
-                <a:schemeClr val="accent3"/>
-              </a:buClr>
-              <a:buFont typeface="Wingdings 2"/>
-              <a:buChar char=""/>
-              <a:defRPr kumimoji="0" sz="2000">
-                <a:latin typeface="+mn-lt"/>
-              </a:defRPr>
-            </a:lvl4pPr>
-            <a:lvl5pPr marL="1298448" indent="-182880" algn="l" eaLnBrk="1" latinLnBrk="0" hangingPunct="1">
-              <a:lnSpc>
-                <a:spcPct val="100000"/>
-              </a:lnSpc>
-              <a:buClr>
-                <a:schemeClr val="accent4"/>
-              </a:buClr>
-              <a:buFont typeface="Wingdings 2"/>
-              <a:buChar char=""/>
-              <a:defRPr kumimoji="0" sz="2000">
-                <a:latin typeface="+mn-lt"/>
-              </a:defRPr>
-            </a:lvl5pPr>
-            <a:lvl6pPr marL="1508760" indent="-182880">
-              <a:lnSpc>
-                <a:spcPct val="100000"/>
-              </a:lnSpc>
-              <a:spcBef>
-                <a:spcPct val="20000"/>
-              </a:spcBef>
-              <a:buClr>
-                <a:schemeClr val="accent5"/>
-              </a:buClr>
-              <a:buFont typeface="Wingdings 2"/>
-              <a:buChar char=""/>
-              <a:defRPr kumimoji="0" sz="2000">
-                <a:latin typeface="+mn-lt"/>
-              </a:defRPr>
-            </a:lvl6pPr>
-            <a:lvl7pPr marL="1719072" indent="-182880">
-              <a:lnSpc>
-                <a:spcPct val="100000"/>
-              </a:lnSpc>
-              <a:spcBef>
-                <a:spcPct val="20000"/>
-              </a:spcBef>
-              <a:buClr>
-                <a:schemeClr val="accent6"/>
-              </a:buClr>
-              <a:buFont typeface="Wingdings 2"/>
-              <a:buChar char=""/>
-              <a:defRPr kumimoji="0" sz="2000">
-                <a:latin typeface="+mn-lt"/>
-              </a:defRPr>
-            </a:lvl7pPr>
-            <a:lvl8pPr marL="1920240" indent="-182880">
-              <a:lnSpc>
-                <a:spcPct val="100000"/>
-              </a:lnSpc>
-              <a:spcBef>
-                <a:spcPct val="20000"/>
-              </a:spcBef>
-              <a:buClr>
-                <a:schemeClr val="accent6"/>
-              </a:buClr>
-              <a:buFont typeface="Wingdings 2"/>
-              <a:buChar char=""/>
-              <a:defRPr kumimoji="0" sz="2000">
-                <a:latin typeface="+mn-lt"/>
-              </a:defRPr>
-            </a:lvl8pPr>
-            <a:lvl9pPr marL="2130552" indent="-182880">
-              <a:lnSpc>
-                <a:spcPct val="100000"/>
-              </a:lnSpc>
-              <a:spcBef>
-                <a:spcPct val="20000"/>
-              </a:spcBef>
-              <a:buClr>
-                <a:schemeClr val="accent6"/>
-              </a:buClr>
-              <a:buFont typeface="Wingdings 2"/>
-              <a:buChar char=""/>
-              <a:defRPr kumimoji="0" sz="2000">
-                <a:latin typeface="+mn-lt"/>
-              </a:defRPr>
-            </a:lvl9pPr>
-            <a:extLst/>
-          </a:lstStyle>
-          <a:p>
-            <a:r>
-              <a:rPr lang="en-US" sz="2400" dirty="0">
-                <a:latin typeface="Avenir Medium"/>
-                <a:cs typeface="Avenir Medium"/>
-              </a:rPr>
-              <a:t>05c_ggplot2.R</a:t>
-            </a:r>
-          </a:p>
-          <a:p>
-            <a:pPr marL="82296" indent="0">
-              <a:buNone/>
-            </a:pPr>
-            <a:r>
-              <a:rPr lang="en-US" sz="2400" dirty="0">
-                <a:latin typeface="Avenir Medium"/>
-                <a:cs typeface="Avenir Medium"/>
-                <a:hlinkClick r:id="rId2"/>
-              </a:rPr>
-              <a:t>http://1drv.ms/1DwKWdb</a:t>
-            </a:r>
-            <a:endParaRPr lang="en-US" sz="2400" dirty="0">
-              <a:latin typeface="Avenir Medium"/>
-              <a:cs typeface="Avenir Medium"/>
-            </a:endParaRPr>
-          </a:p>
-          <a:p>
-            <a:endParaRPr lang="en-US" sz="2400" dirty="0">
-              <a:latin typeface="Avenir Medium"/>
-              <a:cs typeface="Avenir Medium"/>
-            </a:endParaRPr>
-          </a:p>
-          <a:p>
-            <a:endParaRPr lang="en-US" sz="2400" dirty="0">
-              <a:latin typeface="Avenir Medium"/>
-              <a:cs typeface="Avenir Medium"/>
-            </a:endParaRPr>
-          </a:p>
-          <a:p>
-            <a:pPr marL="82296" indent="0">
-              <a:buNone/>
-            </a:pPr>
-            <a:endParaRPr lang="en-US" sz="2400" dirty="0">
-              <a:latin typeface="Avenir Medium"/>
-              <a:cs typeface="Avenir Medium"/>
-            </a:endParaRPr>
-          </a:p>
-          <a:p>
-            <a:pPr marL="82296" indent="0">
-              <a:buNone/>
-            </a:pPr>
-            <a:endParaRPr lang="en-US" sz="2400" dirty="0">
-              <a:latin typeface="Avenir Medium"/>
-              <a:cs typeface="Avenir Medium"/>
-            </a:endParaRPr>
-          </a:p>
-          <a:p>
-            <a:pPr marL="82296" indent="0">
-              <a:buNone/>
-            </a:pPr>
-            <a:endParaRPr lang="en-US" sz="2400" dirty="0">
-              <a:latin typeface="Avenir Medium"/>
-              <a:cs typeface="Avenir Medium"/>
-            </a:endParaRPr>
-          </a:p>
-          <a:p>
-            <a:pPr marL="82296" indent="0">
-              <a:buNone/>
-            </a:pPr>
-            <a:endParaRPr lang="en-US" sz="2400" dirty="0">
-              <a:latin typeface="Avenir Medium"/>
-              <a:cs typeface="Avenir Medium"/>
-            </a:endParaRPr>
-          </a:p>
-        </p:txBody>
-      </p:sp>
-    </p:spTree>
-    <p:extLst>
-      <p:ext uri="{BB962C8B-B14F-4D97-AF65-F5344CB8AC3E}">
-        <p14:creationId xmlns:p14="http://schemas.microsoft.com/office/powerpoint/2010/main" val="3133941757"/>
-      </p:ext>
-    </p:extLst>
-  </p:cSld>
-  <p:clrMapOvr>
-    <a:masterClrMapping/>
-  </p:clrMapOvr>
-  <p:transition>
-    <p:random/>
-  </p:transition>
-</p:sld>
-</file>
-
 <file path=ppt/slides/slide2.xml><?xml version="1.0" encoding="utf-8"?>
 <p:sld xmlns:a="http://schemas.openxmlformats.org/drawingml/2006/main" xmlns:r="http://schemas.openxmlformats.org/officeDocument/2006/relationships" xmlns:p="http://schemas.openxmlformats.org/presentationml/2006/main">
   <p:cSld>
@@ -6091,7 +5786,7 @@
                 <a:ea typeface="Arial Unicode MS" panose="020B0604020202020204" pitchFamily="34" charset="-128"/>
                 <a:cs typeface="Arial Unicode MS" panose="020B0604020202020204" pitchFamily="34" charset="-128"/>
               </a:rPr>
-              <a:t>Resources covering `ggplot2`</a:t>
+              <a:t>Resources on `ggplot2`</a:t>
             </a:r>
           </a:p>
         </p:txBody>
@@ -6465,13 +6160,18 @@
           <a:p>
             <a:pPr algn="ctr"/>
             <a:r>
-              <a:rPr lang="en-US" sz="3600" b="1" dirty="0">
+              <a:rPr lang="en-US" dirty="0">
                 <a:latin typeface="Arial Unicode MS" panose="020B0604020202020204" pitchFamily="34" charset="-128"/>
                 <a:ea typeface="Arial Unicode MS" panose="020B0604020202020204" pitchFamily="34" charset="-128"/>
                 <a:cs typeface="Arial Unicode MS" panose="020B0604020202020204" pitchFamily="34" charset="-128"/>
               </a:rPr>
-              <a:t>Resources covering `ggplot2`</a:t>
-            </a:r>
+              <a:t>Categorical Data Visualization</a:t>
+            </a:r>
+            <a:endParaRPr lang="en-US" sz="3600" b="1" dirty="0">
+              <a:latin typeface="Arial Unicode MS" panose="020B0604020202020204" pitchFamily="34" charset="-128"/>
+              <a:ea typeface="Arial Unicode MS" panose="020B0604020202020204" pitchFamily="34" charset="-128"/>
+              <a:cs typeface="Arial Unicode MS" panose="020B0604020202020204" pitchFamily="34" charset="-128"/>
+            </a:endParaRPr>
           </a:p>
         </p:txBody>
       </p:sp>
@@ -6487,13 +6187,13 @@
         </p:nvSpPr>
         <p:spPr>
           <a:xfrm>
-            <a:off x="914400" y="1447800"/>
-            <a:ext cx="8153400" cy="5334000"/>
+            <a:off x="914400" y="1219200"/>
+            <a:ext cx="8153400" cy="5638800"/>
           </a:xfrm>
         </p:spPr>
         <p:txBody>
           <a:bodyPr>
-            <a:normAutofit fontScale="70000" lnSpcReduction="20000"/>
+            <a:normAutofit fontScale="62500" lnSpcReduction="20000"/>
           </a:bodyPr>
           <a:lstStyle/>
           <a:p>
@@ -6504,7 +6204,7 @@
             </a:pPr>
             <a:r>
               <a:rPr lang="en-US" sz="3000" dirty="0"/>
-              <a:t>C.J. Liu - beautiful graphics ggplot2 (2016)</a:t>
+              <a:t>Script available at:</a:t>
             </a:r>
           </a:p>
           <a:p>
@@ -6518,162 +6218,202 @@
               <a:rPr lang="en-US" sz="3000" dirty="0">
                 <a:hlinkClick r:id="rId2"/>
               </a:rPr>
-              <a:t>https://rstudio-pubs-static.s3.amazonaws.com/228019_f0c39e05758a4a51b435b19dbd321c23.html#21_scatter_plots:_continuous_x_and_y</a:t>
-            </a:r>
+              <a:t>https://github.com/marinfotache/Data-Processing-Analysis-Science-with-R/blob/master/08%20Data%20Visualization%20with%20-mostly-%20ggplot2/08b_categorical_variables_visualization.R</a:t>
+            </a:r>
+            <a:endParaRPr lang="en-US" sz="3000" dirty="0"/>
+          </a:p>
+          <a:p>
+            <a:pPr>
+              <a:lnSpc>
+                <a:spcPct val="110000"/>
+              </a:lnSpc>
+            </a:pPr>
+            <a:endParaRPr lang="en-US" sz="3000" dirty="0"/>
+          </a:p>
+          <a:p>
+            <a:pPr>
+              <a:lnSpc>
+                <a:spcPct val="110000"/>
+              </a:lnSpc>
+            </a:pPr>
             <a:r>
               <a:rPr lang="en-US" sz="3000" dirty="0"/>
-              <a:t> </a:t>
-            </a:r>
-          </a:p>
-          <a:p>
-            <a:pPr>
-              <a:lnSpc>
-                <a:spcPct val="110000"/>
-              </a:lnSpc>
-            </a:pPr>
-            <a:r>
-              <a:rPr lang="en-US" sz="3000" dirty="0"/>
-              <a:t>Claus O. Wilke - </a:t>
-            </a:r>
-            <a:r>
-              <a:rPr lang="en-US" sz="3000" i="1" dirty="0"/>
-              <a:t>Fundamentals of Data Visualization</a:t>
-            </a:r>
-            <a:r>
-              <a:rPr lang="en-US" sz="3000" dirty="0"/>
-              <a:t> (2018)</a:t>
+              <a:t>Covered chart types </a:t>
+            </a:r>
+          </a:p>
+          <a:p>
+            <a:pPr lvl="1">
+              <a:lnSpc>
+                <a:spcPct val="110000"/>
+              </a:lnSpc>
+            </a:pPr>
+            <a:r>
+              <a:rPr lang="en-US" sz="2600" dirty="0"/>
+              <a:t>Basic </a:t>
+            </a:r>
+            <a:r>
+              <a:rPr lang="en-US" sz="2600" dirty="0" err="1"/>
+              <a:t>barcharts</a:t>
             </a:r>
             <a:endParaRPr lang="en-US" sz="2600" dirty="0"/>
           </a:p>
           <a:p>
-            <a:pPr marL="403225" lvl="1" indent="0">
-              <a:lnSpc>
-                <a:spcPct val="110000"/>
-              </a:lnSpc>
-              <a:buNone/>
-            </a:pPr>
-            <a:r>
-              <a:rPr lang="en-US" sz="2600" dirty="0">
-                <a:hlinkClick r:id="rId3"/>
-              </a:rPr>
-              <a:t>https://serialmentor.com/dataviz/</a:t>
+            <a:pPr lvl="2">
+              <a:lnSpc>
+                <a:spcPct val="110000"/>
+              </a:lnSpc>
+            </a:pPr>
+            <a:r>
+              <a:rPr lang="en-US" sz="2400" dirty="0" err="1"/>
+              <a:t>Barcharts</a:t>
+            </a:r>
+            <a:r>
+              <a:rPr lang="en-US" sz="2400" dirty="0"/>
+              <a:t> of values (frequencies are pre-computed) </a:t>
+            </a:r>
+          </a:p>
+          <a:p>
+            <a:pPr lvl="2">
+              <a:lnSpc>
+                <a:spcPct val="110000"/>
+              </a:lnSpc>
+            </a:pPr>
+            <a:r>
+              <a:rPr lang="en-US" sz="2400" dirty="0" err="1"/>
+              <a:t>Barcharts</a:t>
+            </a:r>
+            <a:r>
+              <a:rPr lang="en-US" sz="2400" dirty="0"/>
+              <a:t> of counts </a:t>
+            </a:r>
+          </a:p>
+          <a:p>
+            <a:pPr lvl="2">
+              <a:lnSpc>
+                <a:spcPct val="110000"/>
+              </a:lnSpc>
+            </a:pPr>
+            <a:r>
+              <a:rPr lang="en-US" sz="2400" dirty="0" err="1"/>
+              <a:t>Barcharts</a:t>
+            </a:r>
+            <a:r>
+              <a:rPr lang="en-US" sz="2400" dirty="0"/>
+              <a:t> with two categorical variables   (side-by-side bars vs. faceting)</a:t>
             </a:r>
             <a:endParaRPr lang="en-US" sz="3000" dirty="0"/>
           </a:p>
           <a:p>
-            <a:pPr>
-              <a:lnSpc>
-                <a:spcPct val="110000"/>
-              </a:lnSpc>
-            </a:pPr>
-            <a:r>
-              <a:rPr lang="en-US" sz="3000" dirty="0"/>
-              <a:t>Rob </a:t>
-            </a:r>
-            <a:r>
-              <a:rPr lang="en-US" sz="3000" dirty="0" err="1"/>
-              <a:t>Kabacoff</a:t>
-            </a:r>
-            <a:r>
-              <a:rPr lang="en-US" sz="3000" dirty="0"/>
-              <a:t> - </a:t>
-            </a:r>
-            <a:r>
-              <a:rPr lang="en-US" sz="3000" i="1" dirty="0"/>
-              <a:t>Data Visualization with R </a:t>
-            </a:r>
-            <a:r>
-              <a:rPr lang="en-US" sz="3000" dirty="0"/>
-              <a:t>(2018)</a:t>
+            <a:pPr lvl="2">
+              <a:lnSpc>
+                <a:spcPct val="110000"/>
+              </a:lnSpc>
+            </a:pPr>
+            <a:r>
+              <a:rPr lang="en-US" sz="2400" dirty="0" err="1"/>
+              <a:t>Barcharts</a:t>
+            </a:r>
+            <a:r>
+              <a:rPr lang="en-US" sz="2400" dirty="0"/>
+              <a:t> with more categorical variables</a:t>
+            </a:r>
+          </a:p>
+          <a:p>
+            <a:pPr lvl="2">
+              <a:lnSpc>
+                <a:spcPct val="110000"/>
+              </a:lnSpc>
+            </a:pPr>
+            <a:r>
+              <a:rPr lang="en-US" sz="2400" dirty="0" err="1"/>
+              <a:t>Barcharts</a:t>
+            </a:r>
+            <a:r>
+              <a:rPr lang="en-US" sz="2400" dirty="0"/>
+              <a:t> with numeric x-axis</a:t>
+            </a:r>
+          </a:p>
+          <a:p>
+            <a:pPr lvl="1">
+              <a:lnSpc>
+                <a:spcPct val="110000"/>
+              </a:lnSpc>
+            </a:pPr>
+            <a:r>
+              <a:rPr lang="en-US" sz="2600" dirty="0"/>
+              <a:t>More on </a:t>
+            </a:r>
+            <a:r>
+              <a:rPr lang="en-US" sz="2600" dirty="0" err="1"/>
+              <a:t>barcharts</a:t>
+            </a:r>
+            <a:r>
+              <a:rPr lang="en-US" sz="2600" dirty="0"/>
+              <a:t>	</a:t>
+            </a:r>
+          </a:p>
+          <a:p>
+            <a:pPr lvl="2">
+              <a:lnSpc>
+                <a:spcPct val="110000"/>
+              </a:lnSpc>
+            </a:pPr>
+            <a:r>
+              <a:rPr lang="en-US" sz="2400" dirty="0"/>
+              <a:t>Bars and text justification</a:t>
+            </a:r>
+          </a:p>
+          <a:p>
+            <a:pPr lvl="2">
+              <a:lnSpc>
+                <a:spcPct val="110000"/>
+              </a:lnSpc>
+            </a:pPr>
+            <a:r>
+              <a:rPr lang="en-US" sz="2400" dirty="0"/>
+              <a:t>Bars and conditional text justification	</a:t>
+            </a:r>
+          </a:p>
+          <a:p>
+            <a:pPr lvl="2">
+              <a:lnSpc>
+                <a:spcPct val="110000"/>
+              </a:lnSpc>
+            </a:pPr>
+            <a:r>
+              <a:rPr lang="en-US" sz="2400" dirty="0"/>
+              <a:t>Changing the bar order 	</a:t>
+            </a:r>
+          </a:p>
+          <a:p>
+            <a:pPr lvl="1">
+              <a:lnSpc>
+                <a:spcPct val="110000"/>
+              </a:lnSpc>
+            </a:pPr>
+            <a:r>
+              <a:rPr lang="en-US" sz="2600" dirty="0"/>
+              <a:t>(A sort of) </a:t>
+            </a:r>
+            <a:r>
+              <a:rPr lang="en-US" sz="2600" dirty="0" err="1"/>
+              <a:t>Dotcharts</a:t>
             </a:r>
             <a:endParaRPr lang="en-US" sz="2600" dirty="0"/>
           </a:p>
           <a:p>
-            <a:pPr marL="403225" lvl="1" indent="0">
-              <a:lnSpc>
-                <a:spcPct val="110000"/>
-              </a:lnSpc>
-              <a:buNone/>
-            </a:pPr>
-            <a:r>
-              <a:rPr lang="en-US" sz="2600" dirty="0">
-                <a:hlinkClick r:id="rId4"/>
-              </a:rPr>
-              <a:t>https://rkabacoff.github.io/datavis/</a:t>
+            <a:pPr lvl="1">
+              <a:lnSpc>
+                <a:spcPct val="110000"/>
+              </a:lnSpc>
+            </a:pPr>
+            <a:r>
+              <a:rPr lang="en-US" sz="2600" dirty="0" err="1"/>
+              <a:t>Piecharts</a:t>
             </a:r>
             <a:endParaRPr lang="en-US" sz="2600" dirty="0"/>
           </a:p>
           <a:p>
-            <a:pPr>
-              <a:lnSpc>
-                <a:spcPct val="110000"/>
-              </a:lnSpc>
-            </a:pPr>
-            <a:r>
-              <a:rPr lang="en-US" sz="3000" dirty="0"/>
-              <a:t>Kieran Healy - </a:t>
-            </a:r>
-            <a:r>
-              <a:rPr lang="en-US" sz="3000" i="1" dirty="0"/>
-              <a:t>Data Visualization. A practical introduction</a:t>
-            </a:r>
-            <a:r>
-              <a:rPr lang="en-US" sz="3000" dirty="0"/>
-              <a:t>, Princeton University Press (2018)</a:t>
-            </a:r>
-            <a:endParaRPr lang="en-US" sz="2600" dirty="0"/>
-          </a:p>
-          <a:p>
-            <a:pPr marL="403225" lvl="1" indent="0">
-              <a:lnSpc>
-                <a:spcPct val="110000"/>
-              </a:lnSpc>
-              <a:buNone/>
-            </a:pPr>
-            <a:r>
-              <a:rPr lang="en-US" sz="2600" dirty="0">
-                <a:hlinkClick r:id="rId5"/>
-              </a:rPr>
-              <a:t>http://socviz.co/index.html#preface</a:t>
-            </a:r>
-            <a:endParaRPr lang="en-US" sz="2600" dirty="0"/>
-          </a:p>
-          <a:p>
-            <a:pPr>
-              <a:lnSpc>
-                <a:spcPct val="110000"/>
-              </a:lnSpc>
-            </a:pPr>
-            <a:r>
-              <a:rPr lang="en-US" sz="3000" dirty="0"/>
-              <a:t>Dylan Z. Childs - </a:t>
-            </a:r>
-            <a:r>
-              <a:rPr lang="en-US" sz="3000" i="1" dirty="0"/>
-              <a:t>APS 135: Introduction to Exploratory Data Analysis with R</a:t>
-            </a:r>
-            <a:r>
-              <a:rPr lang="en-US" sz="3000" dirty="0"/>
-              <a:t> (2018)</a:t>
-            </a:r>
-            <a:endParaRPr lang="en-US" sz="2600" dirty="0"/>
-          </a:p>
-          <a:p>
-            <a:pPr marL="403225" lvl="1" indent="0">
-              <a:lnSpc>
-                <a:spcPct val="110000"/>
-              </a:lnSpc>
-              <a:buNone/>
-            </a:pPr>
-            <a:r>
-              <a:rPr lang="en-US" sz="2600" dirty="0">
-                <a:hlinkClick r:id="rId6"/>
-              </a:rPr>
-              <a:t>https://dzchilds.github.io/eda-for-bio/</a:t>
-            </a:r>
-            <a:endParaRPr lang="en-US" sz="2600" dirty="0"/>
-          </a:p>
-          <a:p>
             <a:pPr lvl="1">
               <a:lnSpc>
                 <a:spcPct val="110000"/>
@@ -6681,33 +6421,8 @@
             </a:pPr>
             <a:r>
               <a:rPr lang="en-US" sz="2600" dirty="0"/>
-              <a:t>Chapters 18 - 22</a:t>
-            </a:r>
-          </a:p>
-          <a:p>
-            <a:pPr>
-              <a:lnSpc>
-                <a:spcPct val="110000"/>
-              </a:lnSpc>
-            </a:pPr>
-            <a:endParaRPr lang="en-US" sz="3000" dirty="0"/>
-          </a:p>
-          <a:p>
-            <a:pPr>
-              <a:lnSpc>
-                <a:spcPct val="110000"/>
-              </a:lnSpc>
-            </a:pPr>
-            <a:endParaRPr lang="en-US" sz="3000" dirty="0"/>
-          </a:p>
-          <a:p>
-            <a:pPr marL="403225" lvl="1" indent="0">
-              <a:lnSpc>
-                <a:spcPct val="110000"/>
-              </a:lnSpc>
-              <a:buNone/>
-            </a:pPr>
-            <a:endParaRPr lang="en-US" sz="2600" dirty="0"/>
+              <a:t>Association between categorical variables – mosaic plots</a:t>
+            </a:r>
           </a:p>
           <a:p>
             <a:pPr marL="403225" lvl="1" indent="0">
@@ -6832,8 +6547,8 @@
         </p:nvSpPr>
         <p:spPr>
           <a:xfrm>
-            <a:off x="0" y="76200"/>
-            <a:ext cx="9144000" cy="1295400"/>
+            <a:off x="609600" y="76200"/>
+            <a:ext cx="8382000" cy="1066800"/>
           </a:xfrm>
         </p:spPr>
         <p:txBody>
@@ -6844,315 +6559,291 @@
           <a:p>
             <a:pPr algn="ctr"/>
             <a:r>
-              <a:rPr lang="en-US" sz="3600" b="1" dirty="0">
+              <a:rPr lang="en-US" dirty="0">
                 <a:latin typeface="Arial Unicode MS" panose="020B0604020202020204" pitchFamily="34" charset="-128"/>
                 <a:ea typeface="Arial Unicode MS" panose="020B0604020202020204" pitchFamily="34" charset="-128"/>
                 <a:cs typeface="Arial Unicode MS" panose="020B0604020202020204" pitchFamily="34" charset="-128"/>
               </a:rPr>
-              <a:t>Web sites with R tutorials &amp; doc (cont.)</a:t>
-            </a:r>
-          </a:p>
-        </p:txBody>
-      </p:sp>
-      <p:sp>
-        <p:nvSpPr>
-          <p:cNvPr id="7" name="Text Placeholder 2"/>
-          <p:cNvSpPr txBox="1">
-            <a:spLocks/>
-          </p:cNvSpPr>
-          <p:nvPr/>
+              <a:t>Numerical Data Visualization</a:t>
+            </a:r>
+            <a:endParaRPr lang="en-US" sz="3600" b="1" dirty="0">
+              <a:latin typeface="Arial Unicode MS" panose="020B0604020202020204" pitchFamily="34" charset="-128"/>
+              <a:ea typeface="Arial Unicode MS" panose="020B0604020202020204" pitchFamily="34" charset="-128"/>
+              <a:cs typeface="Arial Unicode MS" panose="020B0604020202020204" pitchFamily="34" charset="-128"/>
+            </a:endParaRPr>
+          </a:p>
+        </p:txBody>
+      </p:sp>
+      <p:sp>
+        <p:nvSpPr>
+          <p:cNvPr id="3" name="Text Placeholder 2"/>
+          <p:cNvSpPr>
+            <a:spLocks noGrp="1"/>
+          </p:cNvSpPr>
+          <p:nvPr>
+            <p:ph type="body" sz="half" idx="1"/>
+          </p:nvPr>
         </p:nvSpPr>
         <p:spPr>
           <a:xfrm>
-            <a:off x="685800" y="1371600"/>
-            <a:ext cx="8382000" cy="5562600"/>
+            <a:off x="914400" y="1219200"/>
+            <a:ext cx="8153400" cy="5638800"/>
           </a:xfrm>
-          <a:prstGeom prst="rect">
-            <a:avLst/>
-          </a:prstGeom>
         </p:spPr>
         <p:txBody>
           <a:bodyPr>
-            <a:normAutofit fontScale="92500"/>
+            <a:normAutofit fontScale="70000" lnSpcReduction="20000"/>
           </a:bodyPr>
-          <a:lstStyle>
-            <a:lvl1pPr marL="365760" indent="-283464" algn="l" eaLnBrk="1" latinLnBrk="0" hangingPunct="1">
-              <a:lnSpc>
-                <a:spcPct val="100000"/>
-              </a:lnSpc>
-              <a:spcBef>
-                <a:spcPts val="600"/>
-              </a:spcBef>
-              <a:buClr>
-                <a:schemeClr val="accent1"/>
-              </a:buClr>
-              <a:buSzPct val="80000"/>
-              <a:buFont typeface="Wingdings 2"/>
-              <a:buChar char=""/>
-              <a:defRPr kumimoji="0" sz="3000">
-                <a:latin typeface="+mn-lt"/>
-              </a:defRPr>
-            </a:lvl1pPr>
-            <a:lvl2pPr marL="640080" lvl="1" indent="-237744" algn="l" eaLnBrk="1" latinLnBrk="0" hangingPunct="1">
-              <a:lnSpc>
-                <a:spcPct val="100000"/>
-              </a:lnSpc>
-              <a:spcBef>
-                <a:spcPts val="550"/>
-              </a:spcBef>
-              <a:buClr>
-                <a:schemeClr val="accent1"/>
-              </a:buClr>
-              <a:buFont typeface="Verdana"/>
-              <a:buChar char="◦"/>
-              <a:defRPr kumimoji="0" sz="2600">
-                <a:latin typeface="+mn-lt"/>
-              </a:defRPr>
-            </a:lvl2pPr>
-            <a:lvl3pPr marL="886968" indent="-228600" algn="l" eaLnBrk="1" latinLnBrk="0" hangingPunct="1">
-              <a:lnSpc>
-                <a:spcPct val="100000"/>
-              </a:lnSpc>
-              <a:buClr>
-                <a:schemeClr val="accent2"/>
-              </a:buClr>
-              <a:buFont typeface="Wingdings 2"/>
-              <a:buChar char=""/>
-              <a:defRPr kumimoji="0" sz="2400">
-                <a:latin typeface="+mn-lt"/>
-              </a:defRPr>
-            </a:lvl3pPr>
-            <a:lvl4pPr marL="1097280" indent="-173736" algn="l" eaLnBrk="1" latinLnBrk="0" hangingPunct="1">
-              <a:lnSpc>
-                <a:spcPct val="100000"/>
-              </a:lnSpc>
-              <a:buClr>
-                <a:schemeClr val="accent3"/>
-              </a:buClr>
-              <a:buFont typeface="Wingdings 2"/>
-              <a:buChar char=""/>
-              <a:defRPr kumimoji="0" sz="2000">
-                <a:latin typeface="+mn-lt"/>
-              </a:defRPr>
-            </a:lvl4pPr>
-            <a:lvl5pPr marL="1298448" indent="-182880" algn="l" eaLnBrk="1" latinLnBrk="0" hangingPunct="1">
-              <a:lnSpc>
-                <a:spcPct val="100000"/>
-              </a:lnSpc>
-              <a:buClr>
-                <a:schemeClr val="accent4"/>
-              </a:buClr>
-              <a:buFont typeface="Wingdings 2"/>
-              <a:buChar char=""/>
-              <a:defRPr kumimoji="0" sz="2000">
-                <a:latin typeface="+mn-lt"/>
-              </a:defRPr>
-            </a:lvl5pPr>
-            <a:lvl6pPr marL="1508760" indent="-182880">
-              <a:lnSpc>
-                <a:spcPct val="100000"/>
-              </a:lnSpc>
-              <a:spcBef>
-                <a:spcPct val="20000"/>
-              </a:spcBef>
-              <a:buClr>
-                <a:schemeClr val="accent5"/>
-              </a:buClr>
-              <a:buFont typeface="Wingdings 2"/>
-              <a:buChar char=""/>
-              <a:defRPr kumimoji="0" sz="2000">
-                <a:latin typeface="+mn-lt"/>
-              </a:defRPr>
-            </a:lvl6pPr>
-            <a:lvl7pPr marL="1719072" indent="-182880">
-              <a:lnSpc>
-                <a:spcPct val="100000"/>
-              </a:lnSpc>
-              <a:spcBef>
-                <a:spcPct val="20000"/>
-              </a:spcBef>
-              <a:buClr>
-                <a:schemeClr val="accent6"/>
-              </a:buClr>
-              <a:buFont typeface="Wingdings 2"/>
-              <a:buChar char=""/>
-              <a:defRPr kumimoji="0" sz="2000">
-                <a:latin typeface="+mn-lt"/>
-              </a:defRPr>
-            </a:lvl7pPr>
-            <a:lvl8pPr marL="1920240" indent="-182880">
-              <a:lnSpc>
-                <a:spcPct val="100000"/>
-              </a:lnSpc>
-              <a:spcBef>
-                <a:spcPct val="20000"/>
-              </a:spcBef>
-              <a:buClr>
-                <a:schemeClr val="accent6"/>
-              </a:buClr>
-              <a:buFont typeface="Wingdings 2"/>
-              <a:buChar char=""/>
-              <a:defRPr kumimoji="0" sz="2000">
-                <a:latin typeface="+mn-lt"/>
-              </a:defRPr>
-            </a:lvl8pPr>
-            <a:lvl9pPr marL="2130552" indent="-182880">
-              <a:lnSpc>
-                <a:spcPct val="100000"/>
-              </a:lnSpc>
-              <a:spcBef>
-                <a:spcPct val="20000"/>
-              </a:spcBef>
-              <a:buClr>
-                <a:schemeClr val="accent6"/>
-              </a:buClr>
-              <a:buFont typeface="Wingdings 2"/>
-              <a:buChar char=""/>
-              <a:defRPr kumimoji="0" sz="2000">
-                <a:latin typeface="+mn-lt"/>
-              </a:defRPr>
-            </a:lvl9pPr>
-            <a:extLst/>
-          </a:lstStyle>
-          <a:p>
-            <a:r>
-              <a:rPr lang="en-US" dirty="0">
-                <a:latin typeface="Avenir Medium"/>
-                <a:cs typeface="Avenir Medium"/>
-              </a:rPr>
-              <a:t>Graphics, ggplot2 </a:t>
-            </a:r>
-            <a:r>
-              <a:rPr lang="en-US" dirty="0">
-                <a:latin typeface="Avenir Medium"/>
-                <a:cs typeface="Avenir Medium"/>
+          <a:lstStyle/>
+          <a:p>
+            <a:pPr>
+              <a:lnSpc>
+                <a:spcPct val="110000"/>
+              </a:lnSpc>
+            </a:pPr>
+            <a:r>
+              <a:rPr lang="en-US" sz="3000" dirty="0"/>
+              <a:t>Script available at:</a:t>
+            </a:r>
+          </a:p>
+          <a:p>
+            <a:pPr marL="82296" indent="0">
+              <a:lnSpc>
+                <a:spcPct val="110000"/>
+              </a:lnSpc>
+              <a:buNone/>
+            </a:pPr>
+            <a:r>
+              <a:rPr lang="en-US" sz="3000" dirty="0">
                 <a:hlinkClick r:id="rId2"/>
               </a:rPr>
-              <a:t>http://r4stats.com/examples/graphics-ggplot2/</a:t>
-            </a:r>
-            <a:endParaRPr lang="en-US" dirty="0">
-              <a:latin typeface="Avenir Medium"/>
-              <a:cs typeface="Avenir Medium"/>
-            </a:endParaRPr>
-          </a:p>
-          <a:p>
-            <a:r>
-              <a:rPr lang="en-US" dirty="0">
-                <a:latin typeface="Avenir Medium"/>
-                <a:cs typeface="Avenir Medium"/>
-              </a:rPr>
-              <a:t>Summer 2010 — R: ggplot2 Intro</a:t>
-            </a:r>
+              <a:t>https://github.com/marinfotache/Data-Processing-Analysis-Science-with-R/blob/master/08%20Data%20Visualization%20with%20-mostly-%20ggplot2/08c_numerical_variables_visualization.R</a:t>
+            </a:r>
+            <a:endParaRPr lang="en-US" sz="3000" dirty="0"/>
+          </a:p>
+          <a:p>
+            <a:pPr>
+              <a:lnSpc>
+                <a:spcPct val="110000"/>
+              </a:lnSpc>
+            </a:pPr>
+            <a:r>
+              <a:rPr lang="en-US" sz="3000" dirty="0"/>
+              <a:t>Covered chart types </a:t>
+            </a:r>
+          </a:p>
+          <a:p>
+            <a:pPr lvl="1">
+              <a:lnSpc>
+                <a:spcPct val="110000"/>
+              </a:lnSpc>
+            </a:pPr>
+            <a:r>
+              <a:rPr lang="en-US" sz="2600" dirty="0"/>
+              <a:t>Visualizing single numeric variable                        	</a:t>
+            </a:r>
+          </a:p>
+          <a:p>
+            <a:pPr lvl="2">
+              <a:lnSpc>
+                <a:spcPct val="110000"/>
+              </a:lnSpc>
+            </a:pPr>
+            <a:r>
+              <a:rPr lang="en-US" sz="2400" dirty="0"/>
+              <a:t>Histograms                                           </a:t>
+            </a:r>
+          </a:p>
+          <a:p>
+            <a:pPr lvl="2">
+              <a:lnSpc>
+                <a:spcPct val="110000"/>
+              </a:lnSpc>
+            </a:pPr>
+            <a:r>
+              <a:rPr lang="en-US" sz="2400" dirty="0"/>
+              <a:t>Density plots                                        	</a:t>
+            </a:r>
+          </a:p>
+          <a:p>
+            <a:pPr lvl="2">
+              <a:lnSpc>
+                <a:spcPct val="110000"/>
+              </a:lnSpc>
+            </a:pPr>
+            <a:r>
+              <a:rPr lang="en-US" sz="2400" dirty="0"/>
+              <a:t>Single variable boxplots                           	</a:t>
+            </a:r>
+          </a:p>
+          <a:p>
+            <a:pPr lvl="1">
+              <a:lnSpc>
+                <a:spcPct val="110000"/>
+              </a:lnSpc>
+            </a:pPr>
+            <a:r>
+              <a:rPr lang="en-US" sz="2600" dirty="0"/>
+              <a:t>Superimposing/faceting two numeric variables             	</a:t>
+            </a:r>
+          </a:p>
+          <a:p>
+            <a:pPr lvl="2">
+              <a:lnSpc>
+                <a:spcPct val="110000"/>
+              </a:lnSpc>
+            </a:pPr>
+            <a:r>
+              <a:rPr lang="en-US" sz="2400" dirty="0"/>
+              <a:t>Superimposed and faceted histograms                 </a:t>
+            </a:r>
+          </a:p>
+          <a:p>
+            <a:pPr lvl="2">
+              <a:lnSpc>
+                <a:spcPct val="110000"/>
+              </a:lnSpc>
+            </a:pPr>
+            <a:r>
+              <a:rPr lang="en-US" sz="2400" dirty="0"/>
+              <a:t>Superimposed and faceted density curves              </a:t>
+            </a:r>
+          </a:p>
+          <a:p>
+            <a:pPr lvl="2">
+              <a:lnSpc>
+                <a:spcPct val="110000"/>
+              </a:lnSpc>
+            </a:pPr>
+            <a:r>
+              <a:rPr lang="en-US" sz="2400" dirty="0"/>
+              <a:t>Boxplots of multiple variables                       	</a:t>
+            </a:r>
+          </a:p>
+          <a:p>
+            <a:pPr lvl="1">
+              <a:lnSpc>
+                <a:spcPct val="110000"/>
+              </a:lnSpc>
+            </a:pPr>
+            <a:r>
+              <a:rPr lang="en-US" sz="2600" dirty="0"/>
+              <a:t>Relationship between two numeric variables               	</a:t>
+            </a:r>
+          </a:p>
+          <a:p>
+            <a:pPr lvl="2">
+              <a:lnSpc>
+                <a:spcPct val="110000"/>
+              </a:lnSpc>
+            </a:pPr>
+            <a:r>
+              <a:rPr lang="en-US" sz="2400" dirty="0"/>
+              <a:t>Scatterplots                                        </a:t>
+            </a:r>
+          </a:p>
+          <a:p>
+            <a:pPr lvl="2">
+              <a:lnSpc>
+                <a:spcPct val="110000"/>
+              </a:lnSpc>
+            </a:pPr>
+            <a:r>
+              <a:rPr lang="en-US" sz="2400" dirty="0"/>
+              <a:t>Correlation plots (package `</a:t>
+            </a:r>
+            <a:r>
+              <a:rPr lang="en-US" sz="2400" dirty="0" err="1"/>
+              <a:t>corrplot</a:t>
+            </a:r>
+            <a:r>
+              <a:rPr lang="en-US" sz="2400" dirty="0"/>
+              <a:t>`)                	</a:t>
+            </a:r>
+            <a:endParaRPr lang="en-US" sz="2600" dirty="0"/>
+          </a:p>
+          <a:p>
+            <a:pPr marL="403225" lvl="1" indent="0">
+              <a:lnSpc>
+                <a:spcPct val="110000"/>
+              </a:lnSpc>
+              <a:buNone/>
+            </a:pPr>
+            <a:endParaRPr lang="en-US" sz="2600" dirty="0"/>
+          </a:p>
+          <a:p>
+            <a:pPr marL="403225" lvl="1" indent="0">
+              <a:lnSpc>
+                <a:spcPct val="110000"/>
+              </a:lnSpc>
+              <a:buNone/>
+            </a:pPr>
+            <a:endParaRPr lang="en-US" sz="2600" dirty="0"/>
+          </a:p>
+          <a:p>
+            <a:pPr marL="403225" lvl="1" indent="0">
+              <a:lnSpc>
+                <a:spcPct val="110000"/>
+              </a:lnSpc>
+              <a:buNone/>
+            </a:pPr>
+            <a:endParaRPr lang="en-US" sz="2600" dirty="0"/>
+          </a:p>
+          <a:p>
+            <a:pPr marL="403225" lvl="1" indent="0">
+              <a:lnSpc>
+                <a:spcPct val="110000"/>
+              </a:lnSpc>
+              <a:buNone/>
+            </a:pPr>
+            <a:endParaRPr lang="en-US" sz="2600" dirty="0"/>
+          </a:p>
+          <a:p>
+            <a:pPr lvl="1">
+              <a:lnSpc>
+                <a:spcPct val="110000"/>
+              </a:lnSpc>
+            </a:pPr>
+            <a:endParaRPr lang="en-US" sz="2600" dirty="0"/>
+          </a:p>
+          <a:p>
+            <a:pPr lvl="1">
+              <a:lnSpc>
+                <a:spcPct val="110000"/>
+              </a:lnSpc>
+            </a:pPr>
+            <a:endParaRPr lang="en-US" sz="2600" dirty="0"/>
           </a:p>
           <a:p>
             <a:pPr marL="82296" indent="0">
-              <a:buNone/>
-            </a:pPr>
-            <a:r>
-              <a:rPr lang="en-US" dirty="0">
-                <a:latin typeface="Avenir Medium"/>
-                <a:cs typeface="Avenir Medium"/>
-                <a:hlinkClick r:id="rId3"/>
-              </a:rPr>
-              <a:t>http://www.ling.upenn.edu/~joseff/rstudy/summer2010_ggplot2_intro.html</a:t>
-            </a:r>
-            <a:endParaRPr lang="en-US" dirty="0">
-              <a:latin typeface="Avenir Medium"/>
-              <a:cs typeface="Avenir Medium"/>
-            </a:endParaRPr>
-          </a:p>
-          <a:p>
-            <a:r>
-              <a:rPr lang="en-US" dirty="0">
-                <a:latin typeface="Avenir Medium"/>
-                <a:cs typeface="Avenir Medium"/>
-              </a:rPr>
-              <a:t>Tutorial: ggplot2</a:t>
-            </a:r>
+              <a:lnSpc>
+                <a:spcPct val="110000"/>
+              </a:lnSpc>
+              <a:buNone/>
+            </a:pPr>
+            <a:endParaRPr lang="en-US" sz="2400" dirty="0"/>
           </a:p>
           <a:p>
             <a:pPr marL="82296" indent="0">
-              <a:buNone/>
-            </a:pPr>
-            <a:r>
-              <a:rPr lang="en-US" dirty="0">
-                <a:latin typeface="Avenir Medium"/>
-                <a:cs typeface="Avenir Medium"/>
-                <a:hlinkClick r:id="rId4"/>
-              </a:rPr>
-              <a:t>http://www.ceb-institute.org/bbs/wp-content/uploads/2011/09/handout_ggplot2.pdf</a:t>
-            </a:r>
-            <a:endParaRPr lang="en-US" dirty="0">
-              <a:latin typeface="Avenir Medium"/>
-              <a:cs typeface="Avenir Medium"/>
-            </a:endParaRPr>
-          </a:p>
-          <a:p>
-            <a:r>
-              <a:rPr lang="en-US" dirty="0">
-                <a:latin typeface="Avenir Medium"/>
-                <a:cs typeface="Avenir Medium"/>
-              </a:rPr>
-              <a:t>Hands-On Data Science with R Exploring Data with </a:t>
-            </a:r>
-            <a:r>
-              <a:rPr lang="en-US" dirty="0">
-                <a:latin typeface="Avenir Medium"/>
-                <a:cs typeface="Avenir Medium"/>
-                <a:hlinkClick r:id="rId5"/>
-              </a:rPr>
-              <a:t>http://onepager.togaware.com/GGPlot2O.pdf</a:t>
-            </a:r>
-            <a:endParaRPr lang="en-US" dirty="0">
-              <a:latin typeface="Avenir Medium"/>
-              <a:cs typeface="Avenir Medium"/>
-            </a:endParaRPr>
+              <a:lnSpc>
+                <a:spcPct val="110000"/>
+              </a:lnSpc>
+              <a:buNone/>
+            </a:pPr>
+            <a:endParaRPr lang="en-US" sz="2400" dirty="0"/>
           </a:p>
           <a:p>
             <a:pPr marL="82296" indent="0">
               <a:buNone/>
             </a:pPr>
-            <a:endParaRPr lang="en-US" dirty="0">
-              <a:latin typeface="Avenir Medium"/>
-              <a:cs typeface="Avenir Medium"/>
-            </a:endParaRPr>
-          </a:p>
-          <a:p>
-            <a:pPr marL="82296" indent="0">
-              <a:buNone/>
-            </a:pPr>
-            <a:endParaRPr lang="en-US" dirty="0"/>
-          </a:p>
-          <a:p>
-            <a:pPr marL="82296" indent="0">
-              <a:buNone/>
-            </a:pPr>
-            <a:endParaRPr lang="en-US" dirty="0"/>
-          </a:p>
-          <a:p>
-            <a:pPr marL="82296" indent="0">
-              <a:buNone/>
-            </a:pPr>
-            <a:endParaRPr lang="en-US" dirty="0"/>
-          </a:p>
-          <a:p>
-            <a:pPr marL="82296" indent="0">
-              <a:buNone/>
-            </a:pPr>
-            <a:endParaRPr lang="en-US" dirty="0"/>
-          </a:p>
-          <a:p>
-            <a:pPr marL="82296" indent="0">
-              <a:buNone/>
-            </a:pPr>
-            <a:endParaRPr lang="en-US" dirty="0"/>
+            <a:endParaRPr lang="ro-RO" sz="3000" dirty="0"/>
           </a:p>
         </p:txBody>
       </p:sp>
     </p:spTree>
     <p:extLst>
       <p:ext uri="{BB962C8B-B14F-4D97-AF65-F5344CB8AC3E}">
-        <p14:creationId xmlns:p14="http://schemas.microsoft.com/office/powerpoint/2010/main" val="2115449635"/>
+        <p14:creationId xmlns:p14="http://schemas.microsoft.com/office/powerpoint/2010/main" val="3996625189"/>
       </p:ext>
     </p:extLst>
   </p:cSld>
@@ -7194,624 +6885,244 @@
         </p:nvSpPr>
         <p:spPr>
           <a:xfrm>
-            <a:off x="0" y="76200"/>
-            <a:ext cx="9144000" cy="1295400"/>
+            <a:off x="609600" y="76200"/>
+            <a:ext cx="8382000" cy="1066800"/>
           </a:xfrm>
         </p:spPr>
         <p:txBody>
           <a:bodyPr anchor="ctr">
-            <a:normAutofit/>
+            <a:normAutofit fontScale="90000"/>
           </a:bodyPr>
           <a:lstStyle/>
           <a:p>
             <a:pPr algn="ctr"/>
             <a:r>
-              <a:rPr lang="en-US" sz="3600" b="1" dirty="0">
+              <a:rPr lang="en-US" dirty="0">
                 <a:latin typeface="Arial Unicode MS" panose="020B0604020202020204" pitchFamily="34" charset="-128"/>
                 <a:ea typeface="Arial Unicode MS" panose="020B0604020202020204" pitchFamily="34" charset="-128"/>
                 <a:cs typeface="Arial Unicode MS" panose="020B0604020202020204" pitchFamily="34" charset="-128"/>
               </a:rPr>
-              <a:t>Web sites with R tutorials &amp; doc (cont.)</a:t>
-            </a:r>
-          </a:p>
-        </p:txBody>
-      </p:sp>
-      <p:sp>
-        <p:nvSpPr>
-          <p:cNvPr id="7" name="Text Placeholder 2"/>
-          <p:cNvSpPr txBox="1">
-            <a:spLocks/>
-          </p:cNvSpPr>
-          <p:nvPr/>
+              <a:t>Categorical + Numerical Data Visualization</a:t>
+            </a:r>
+            <a:endParaRPr lang="en-US" sz="3600" b="1" dirty="0">
+              <a:latin typeface="Arial Unicode MS" panose="020B0604020202020204" pitchFamily="34" charset="-128"/>
+              <a:ea typeface="Arial Unicode MS" panose="020B0604020202020204" pitchFamily="34" charset="-128"/>
+              <a:cs typeface="Arial Unicode MS" panose="020B0604020202020204" pitchFamily="34" charset="-128"/>
+            </a:endParaRPr>
+          </a:p>
+        </p:txBody>
+      </p:sp>
+      <p:sp>
+        <p:nvSpPr>
+          <p:cNvPr id="3" name="Text Placeholder 2"/>
+          <p:cNvSpPr>
+            <a:spLocks noGrp="1"/>
+          </p:cNvSpPr>
+          <p:nvPr>
+            <p:ph type="body" sz="half" idx="1"/>
+          </p:nvPr>
         </p:nvSpPr>
         <p:spPr>
           <a:xfrm>
-            <a:off x="685800" y="1371600"/>
-            <a:ext cx="8382000" cy="5562600"/>
+            <a:off x="914400" y="1371600"/>
+            <a:ext cx="8153400" cy="5334000"/>
           </a:xfrm>
-          <a:prstGeom prst="rect">
-            <a:avLst/>
-          </a:prstGeom>
         </p:spPr>
         <p:txBody>
           <a:bodyPr>
-            <a:normAutofit fontScale="92500"/>
+            <a:normAutofit fontScale="77500" lnSpcReduction="20000"/>
           </a:bodyPr>
-          <a:lstStyle>
-            <a:lvl1pPr marL="365760" indent="-283464" algn="l" eaLnBrk="1" latinLnBrk="0" hangingPunct="1">
-              <a:lnSpc>
-                <a:spcPct val="100000"/>
-              </a:lnSpc>
-              <a:spcBef>
-                <a:spcPts val="600"/>
-              </a:spcBef>
-              <a:buClr>
-                <a:schemeClr val="accent1"/>
-              </a:buClr>
-              <a:buSzPct val="80000"/>
-              <a:buFont typeface="Wingdings 2"/>
-              <a:buChar char=""/>
-              <a:defRPr kumimoji="0" sz="3000">
-                <a:latin typeface="+mn-lt"/>
-              </a:defRPr>
-            </a:lvl1pPr>
-            <a:lvl2pPr marL="640080" lvl="1" indent="-237744" algn="l" eaLnBrk="1" latinLnBrk="0" hangingPunct="1">
-              <a:lnSpc>
-                <a:spcPct val="100000"/>
-              </a:lnSpc>
-              <a:spcBef>
-                <a:spcPts val="550"/>
-              </a:spcBef>
-              <a:buClr>
-                <a:schemeClr val="accent1"/>
-              </a:buClr>
-              <a:buFont typeface="Verdana"/>
-              <a:buChar char="◦"/>
-              <a:defRPr kumimoji="0" sz="2600">
-                <a:latin typeface="+mn-lt"/>
-              </a:defRPr>
-            </a:lvl2pPr>
-            <a:lvl3pPr marL="886968" indent="-228600" algn="l" eaLnBrk="1" latinLnBrk="0" hangingPunct="1">
-              <a:lnSpc>
-                <a:spcPct val="100000"/>
-              </a:lnSpc>
-              <a:buClr>
-                <a:schemeClr val="accent2"/>
-              </a:buClr>
-              <a:buFont typeface="Wingdings 2"/>
-              <a:buChar char=""/>
-              <a:defRPr kumimoji="0" sz="2400">
-                <a:latin typeface="+mn-lt"/>
-              </a:defRPr>
-            </a:lvl3pPr>
-            <a:lvl4pPr marL="1097280" indent="-173736" algn="l" eaLnBrk="1" latinLnBrk="0" hangingPunct="1">
-              <a:lnSpc>
-                <a:spcPct val="100000"/>
-              </a:lnSpc>
-              <a:buClr>
-                <a:schemeClr val="accent3"/>
-              </a:buClr>
-              <a:buFont typeface="Wingdings 2"/>
-              <a:buChar char=""/>
-              <a:defRPr kumimoji="0" sz="2000">
-                <a:latin typeface="+mn-lt"/>
-              </a:defRPr>
-            </a:lvl4pPr>
-            <a:lvl5pPr marL="1298448" indent="-182880" algn="l" eaLnBrk="1" latinLnBrk="0" hangingPunct="1">
-              <a:lnSpc>
-                <a:spcPct val="100000"/>
-              </a:lnSpc>
-              <a:buClr>
-                <a:schemeClr val="accent4"/>
-              </a:buClr>
-              <a:buFont typeface="Wingdings 2"/>
-              <a:buChar char=""/>
-              <a:defRPr kumimoji="0" sz="2000">
-                <a:latin typeface="+mn-lt"/>
-              </a:defRPr>
-            </a:lvl5pPr>
-            <a:lvl6pPr marL="1508760" indent="-182880">
-              <a:lnSpc>
-                <a:spcPct val="100000"/>
-              </a:lnSpc>
-              <a:spcBef>
-                <a:spcPct val="20000"/>
-              </a:spcBef>
-              <a:buClr>
-                <a:schemeClr val="accent5"/>
-              </a:buClr>
-              <a:buFont typeface="Wingdings 2"/>
-              <a:buChar char=""/>
-              <a:defRPr kumimoji="0" sz="2000">
-                <a:latin typeface="+mn-lt"/>
-              </a:defRPr>
-            </a:lvl6pPr>
-            <a:lvl7pPr marL="1719072" indent="-182880">
-              <a:lnSpc>
-                <a:spcPct val="100000"/>
-              </a:lnSpc>
-              <a:spcBef>
-                <a:spcPct val="20000"/>
-              </a:spcBef>
-              <a:buClr>
-                <a:schemeClr val="accent6"/>
-              </a:buClr>
-              <a:buFont typeface="Wingdings 2"/>
-              <a:buChar char=""/>
-              <a:defRPr kumimoji="0" sz="2000">
-                <a:latin typeface="+mn-lt"/>
-              </a:defRPr>
-            </a:lvl7pPr>
-            <a:lvl8pPr marL="1920240" indent="-182880">
-              <a:lnSpc>
-                <a:spcPct val="100000"/>
-              </a:lnSpc>
-              <a:spcBef>
-                <a:spcPct val="20000"/>
-              </a:spcBef>
-              <a:buClr>
-                <a:schemeClr val="accent6"/>
-              </a:buClr>
-              <a:buFont typeface="Wingdings 2"/>
-              <a:buChar char=""/>
-              <a:defRPr kumimoji="0" sz="2000">
-                <a:latin typeface="+mn-lt"/>
-              </a:defRPr>
-            </a:lvl8pPr>
-            <a:lvl9pPr marL="2130552" indent="-182880">
-              <a:lnSpc>
-                <a:spcPct val="100000"/>
-              </a:lnSpc>
-              <a:spcBef>
-                <a:spcPct val="20000"/>
-              </a:spcBef>
-              <a:buClr>
-                <a:schemeClr val="accent6"/>
-              </a:buClr>
-              <a:buFont typeface="Wingdings 2"/>
-              <a:buChar char=""/>
-              <a:defRPr kumimoji="0" sz="2000">
-                <a:latin typeface="+mn-lt"/>
-              </a:defRPr>
-            </a:lvl9pPr>
-            <a:extLst/>
-          </a:lstStyle>
-          <a:p>
-            <a:r>
-              <a:rPr lang="en-US" dirty="0">
-                <a:latin typeface="Avenir Medium"/>
-                <a:cs typeface="Avenir Medium"/>
-              </a:rPr>
-              <a:t>Bar and line graphs (ggplot2) </a:t>
-            </a:r>
-            <a:r>
-              <a:rPr lang="en-US" dirty="0">
-                <a:latin typeface="Avenir Medium"/>
-                <a:cs typeface="Avenir Medium"/>
+          <a:lstStyle/>
+          <a:p>
+            <a:pPr>
+              <a:lnSpc>
+                <a:spcPct val="110000"/>
+              </a:lnSpc>
+            </a:pPr>
+            <a:r>
+              <a:rPr lang="en-US" sz="3000" dirty="0"/>
+              <a:t>Script available at:</a:t>
+            </a:r>
+          </a:p>
+          <a:p>
+            <a:pPr marL="82296" indent="0">
+              <a:lnSpc>
+                <a:spcPct val="110000"/>
+              </a:lnSpc>
+              <a:buNone/>
+            </a:pPr>
+            <a:r>
+              <a:rPr lang="en-US" sz="3000" dirty="0">
                 <a:hlinkClick r:id="rId2"/>
               </a:rPr>
-              <a:t>http://www.cookbook-r.com/Graphs/Bar_and_line_graphs_(ggplot2)/</a:t>
-            </a:r>
-            <a:endParaRPr lang="en-US" dirty="0">
-              <a:latin typeface="Avenir Medium"/>
-              <a:cs typeface="Avenir Medium"/>
-            </a:endParaRPr>
-          </a:p>
-          <a:p>
-            <a:r>
-              <a:rPr lang="en-US" dirty="0">
-                <a:latin typeface="Avenir Medium"/>
-                <a:cs typeface="Avenir Medium"/>
-              </a:rPr>
-              <a:t>ggplot2 Reference and Examples (Part 1)</a:t>
-            </a:r>
+              <a:t>https://github.com/marinfotache/Data-Processing-Analysis-Science-with-R/blob/master/08%20Data%20Visualization%20with%20-mostly-%20ggplot2/08d_categorical%20and%20numerical_variables_visualization.R</a:t>
+            </a:r>
+            <a:endParaRPr lang="en-US" sz="3000" dirty="0"/>
+          </a:p>
+          <a:p>
+            <a:pPr>
+              <a:lnSpc>
+                <a:spcPct val="110000"/>
+              </a:lnSpc>
+            </a:pPr>
+            <a:endParaRPr lang="en-US" sz="3000" dirty="0"/>
+          </a:p>
+          <a:p>
+            <a:pPr>
+              <a:lnSpc>
+                <a:spcPct val="110000"/>
+              </a:lnSpc>
+            </a:pPr>
+            <a:r>
+              <a:rPr lang="en-US" sz="3000" dirty="0"/>
+              <a:t>Covered chart types </a:t>
+            </a:r>
+          </a:p>
+          <a:p>
+            <a:pPr lvl="1">
+              <a:lnSpc>
+                <a:spcPct val="110000"/>
+              </a:lnSpc>
+            </a:pPr>
+            <a:r>
+              <a:rPr lang="en-US" sz="2600" dirty="0"/>
+              <a:t>Groups of </a:t>
+            </a:r>
+            <a:r>
+              <a:rPr lang="en-US" sz="2600" dirty="0" err="1"/>
+              <a:t>barcharts</a:t>
+            </a:r>
+            <a:r>
+              <a:rPr lang="en-US" sz="2600" dirty="0"/>
+              <a:t> (of values)                         </a:t>
+            </a:r>
+          </a:p>
+          <a:p>
+            <a:pPr lvl="1">
+              <a:lnSpc>
+                <a:spcPct val="110000"/>
+              </a:lnSpc>
+            </a:pPr>
+            <a:r>
+              <a:rPr lang="en-US" sz="2600" dirty="0"/>
+              <a:t>Line charts</a:t>
+            </a:r>
+          </a:p>
+          <a:p>
+            <a:pPr lvl="1">
+              <a:lnSpc>
+                <a:spcPct val="110000"/>
+              </a:lnSpc>
+            </a:pPr>
+            <a:r>
+              <a:rPr lang="en-US" sz="2600" dirty="0"/>
+              <a:t>Histograms and density curves with multiple groups</a:t>
+            </a:r>
+          </a:p>
+          <a:p>
+            <a:pPr lvl="1">
+              <a:lnSpc>
+                <a:spcPct val="110000"/>
+              </a:lnSpc>
+            </a:pPr>
+            <a:r>
+              <a:rPr lang="en-US" sz="2600" dirty="0"/>
+              <a:t>Boxplot with multiple groups</a:t>
+            </a:r>
+          </a:p>
+          <a:p>
+            <a:pPr lvl="1">
+              <a:lnSpc>
+                <a:spcPct val="110000"/>
+              </a:lnSpc>
+            </a:pPr>
+            <a:r>
+              <a:rPr lang="en-US" sz="2600" dirty="0"/>
+              <a:t>Scatter plots with multiple groups</a:t>
+            </a:r>
+          </a:p>
+          <a:p>
+            <a:pPr marL="403225" lvl="1" indent="0">
+              <a:lnSpc>
+                <a:spcPct val="110000"/>
+              </a:lnSpc>
+              <a:buNone/>
+            </a:pPr>
+            <a:endParaRPr lang="en-US" sz="2600" dirty="0"/>
+          </a:p>
+          <a:p>
+            <a:pPr marL="403225" lvl="1" indent="0">
+              <a:lnSpc>
+                <a:spcPct val="110000"/>
+              </a:lnSpc>
+              <a:buNone/>
+            </a:pPr>
+            <a:endParaRPr lang="en-US" sz="2600" dirty="0"/>
+          </a:p>
+          <a:p>
+            <a:pPr marL="403225" lvl="1" indent="0">
+              <a:lnSpc>
+                <a:spcPct val="110000"/>
+              </a:lnSpc>
+              <a:buNone/>
+            </a:pPr>
+            <a:endParaRPr lang="en-US" sz="2600" dirty="0"/>
+          </a:p>
+          <a:p>
+            <a:pPr marL="403225" lvl="1" indent="0">
+              <a:lnSpc>
+                <a:spcPct val="110000"/>
+              </a:lnSpc>
+              <a:buNone/>
+            </a:pPr>
+            <a:endParaRPr lang="en-US" sz="2600" dirty="0"/>
+          </a:p>
+          <a:p>
+            <a:pPr lvl="1">
+              <a:lnSpc>
+                <a:spcPct val="110000"/>
+              </a:lnSpc>
+            </a:pPr>
+            <a:endParaRPr lang="en-US" sz="2600" dirty="0"/>
+          </a:p>
+          <a:p>
+            <a:pPr lvl="1">
+              <a:lnSpc>
+                <a:spcPct val="110000"/>
+              </a:lnSpc>
+            </a:pPr>
+            <a:endParaRPr lang="en-US" sz="2600" dirty="0"/>
           </a:p>
           <a:p>
             <a:pPr marL="82296" indent="0">
-              <a:buNone/>
-            </a:pPr>
-            <a:r>
-              <a:rPr lang="en-US" dirty="0">
-                <a:latin typeface="Avenir Medium"/>
-                <a:cs typeface="Avenir Medium"/>
-                <a:hlinkClick r:id="rId3"/>
-              </a:rPr>
-              <a:t>http://rpubs.com/woobe/ggplot2_ref_part01</a:t>
-            </a:r>
-            <a:endParaRPr lang="en-US" dirty="0">
-              <a:latin typeface="Avenir Medium"/>
-              <a:cs typeface="Avenir Medium"/>
-            </a:endParaRPr>
-          </a:p>
-          <a:p>
-            <a:r>
-              <a:rPr lang="en-US" dirty="0">
-                <a:latin typeface="Avenir Medium"/>
-                <a:cs typeface="Avenir Medium"/>
-              </a:rPr>
-              <a:t>ggplot2 Reference and Examples (Part 2)</a:t>
-            </a:r>
+              <a:lnSpc>
+                <a:spcPct val="110000"/>
+              </a:lnSpc>
+              <a:buNone/>
+            </a:pPr>
+            <a:endParaRPr lang="en-US" sz="2400" dirty="0"/>
           </a:p>
           <a:p>
             <a:pPr marL="82296" indent="0">
-              <a:buNone/>
-            </a:pPr>
-            <a:r>
-              <a:rPr lang="en-US" dirty="0">
-                <a:latin typeface="Avenir Medium"/>
-                <a:cs typeface="Avenir Medium"/>
-                <a:hlinkClick r:id="rId4"/>
-              </a:rPr>
-              <a:t>http://rpubs.com/woobe/ggplot2_ref_part012</a:t>
-            </a:r>
-            <a:endParaRPr lang="en-US" dirty="0">
-              <a:latin typeface="Avenir Medium"/>
-              <a:cs typeface="Avenir Medium"/>
-            </a:endParaRPr>
+              <a:lnSpc>
+                <a:spcPct val="110000"/>
+              </a:lnSpc>
+              <a:buNone/>
+            </a:pPr>
+            <a:endParaRPr lang="en-US" sz="2400" dirty="0"/>
           </a:p>
           <a:p>
             <a:pPr marL="82296" indent="0">
               <a:buNone/>
             </a:pPr>
-            <a:endParaRPr lang="en-US" dirty="0">
-              <a:latin typeface="Avenir Medium"/>
-              <a:cs typeface="Avenir Medium"/>
-            </a:endParaRPr>
-          </a:p>
-          <a:p>
-            <a:r>
-              <a:rPr lang="en-US" dirty="0">
-                <a:latin typeface="Avenir Medium"/>
-                <a:cs typeface="Avenir Medium"/>
-              </a:rPr>
-              <a:t>Beautiful plotting in R: A ggplot2 cheatsheet</a:t>
-            </a:r>
-          </a:p>
-          <a:p>
-            <a:pPr marL="82296" indent="0">
-              <a:buNone/>
-            </a:pPr>
-            <a:r>
-              <a:rPr lang="en-US" dirty="0">
-                <a:latin typeface="Avenir Medium"/>
-                <a:cs typeface="Avenir Medium"/>
-                <a:hlinkClick r:id="rId5"/>
-              </a:rPr>
-              <a:t>http://zevross.com/blog/2014/08/04/beautiful-plotting-in-r-a-ggplot2-cheatsheet-3/</a:t>
-            </a:r>
-            <a:endParaRPr lang="en-US" dirty="0"/>
+            <a:endParaRPr lang="ro-RO" sz="3000" dirty="0"/>
           </a:p>
         </p:txBody>
       </p:sp>
     </p:spTree>
     <p:extLst>
       <p:ext uri="{BB962C8B-B14F-4D97-AF65-F5344CB8AC3E}">
-        <p14:creationId xmlns:p14="http://schemas.microsoft.com/office/powerpoint/2010/main" val="168177394"/>
-      </p:ext>
-    </p:extLst>
-  </p:cSld>
-  <p:clrMapOvr>
-    <a:masterClrMapping/>
-  </p:clrMapOvr>
-  <p:transition>
-    <p:random/>
-  </p:transition>
-</p:sld>
-</file>
-
-<file path=ppt/slides/slide9.xml><?xml version="1.0" encoding="utf-8"?>
-<p:sld xmlns:a="http://schemas.openxmlformats.org/drawingml/2006/main" xmlns:r="http://schemas.openxmlformats.org/officeDocument/2006/relationships" xmlns:p="http://schemas.openxmlformats.org/presentationml/2006/main">
-  <p:cSld>
-    <p:spTree>
-      <p:nvGrpSpPr>
-        <p:cNvPr id="1" name=""/>
-        <p:cNvGrpSpPr/>
-        <p:nvPr/>
-      </p:nvGrpSpPr>
-      <p:grpSpPr>
-        <a:xfrm>
-          <a:off x="0" y="0"/>
-          <a:ext cx="0" cy="0"/>
-          <a:chOff x="0" y="0"/>
-          <a:chExt cx="0" cy="0"/>
-        </a:xfrm>
-      </p:grpSpPr>
-      <p:sp>
-        <p:nvSpPr>
-          <p:cNvPr id="2" name="Title 1"/>
-          <p:cNvSpPr>
-            <a:spLocks noGrp="1"/>
-          </p:cNvSpPr>
-          <p:nvPr>
-            <p:ph type="title"/>
-          </p:nvPr>
-        </p:nvSpPr>
-        <p:spPr>
-          <a:xfrm>
-            <a:off x="0" y="76200"/>
-            <a:ext cx="9144000" cy="1295400"/>
-          </a:xfrm>
-        </p:spPr>
-        <p:txBody>
-          <a:bodyPr anchor="ctr">
-            <a:normAutofit/>
-          </a:bodyPr>
-          <a:lstStyle/>
-          <a:p>
-            <a:pPr algn="ctr"/>
-            <a:r>
-              <a:rPr lang="en-US" sz="3600" b="1" dirty="0">
-                <a:latin typeface="Arial Unicode MS" panose="020B0604020202020204" pitchFamily="34" charset="-128"/>
-                <a:ea typeface="Arial Unicode MS" panose="020B0604020202020204" pitchFamily="34" charset="-128"/>
-                <a:cs typeface="Arial Unicode MS" panose="020B0604020202020204" pitchFamily="34" charset="-128"/>
-              </a:rPr>
-              <a:t>Web sites with R tutorials &amp; doc (cont.)</a:t>
-            </a:r>
-          </a:p>
-        </p:txBody>
-      </p:sp>
-      <p:sp>
-        <p:nvSpPr>
-          <p:cNvPr id="7" name="Text Placeholder 2"/>
-          <p:cNvSpPr txBox="1">
-            <a:spLocks/>
-          </p:cNvSpPr>
-          <p:nvPr/>
-        </p:nvSpPr>
-        <p:spPr>
-          <a:xfrm>
-            <a:off x="685800" y="1371600"/>
-            <a:ext cx="8382000" cy="5562600"/>
-          </a:xfrm>
-          <a:prstGeom prst="rect">
-            <a:avLst/>
-          </a:prstGeom>
-        </p:spPr>
-        <p:txBody>
-          <a:bodyPr>
-            <a:normAutofit/>
-          </a:bodyPr>
-          <a:lstStyle>
-            <a:lvl1pPr marL="365760" indent="-283464" algn="l" eaLnBrk="1" latinLnBrk="0" hangingPunct="1">
-              <a:lnSpc>
-                <a:spcPct val="100000"/>
-              </a:lnSpc>
-              <a:spcBef>
-                <a:spcPts val="600"/>
-              </a:spcBef>
-              <a:buClr>
-                <a:schemeClr val="accent1"/>
-              </a:buClr>
-              <a:buSzPct val="80000"/>
-              <a:buFont typeface="Wingdings 2"/>
-              <a:buChar char=""/>
-              <a:defRPr kumimoji="0" sz="3000">
-                <a:latin typeface="+mn-lt"/>
-              </a:defRPr>
-            </a:lvl1pPr>
-            <a:lvl2pPr marL="640080" lvl="1" indent="-237744" algn="l" eaLnBrk="1" latinLnBrk="0" hangingPunct="1">
-              <a:lnSpc>
-                <a:spcPct val="100000"/>
-              </a:lnSpc>
-              <a:spcBef>
-                <a:spcPts val="550"/>
-              </a:spcBef>
-              <a:buClr>
-                <a:schemeClr val="accent1"/>
-              </a:buClr>
-              <a:buFont typeface="Verdana"/>
-              <a:buChar char="◦"/>
-              <a:defRPr kumimoji="0" sz="2600">
-                <a:latin typeface="+mn-lt"/>
-              </a:defRPr>
-            </a:lvl2pPr>
-            <a:lvl3pPr marL="886968" indent="-228600" algn="l" eaLnBrk="1" latinLnBrk="0" hangingPunct="1">
-              <a:lnSpc>
-                <a:spcPct val="100000"/>
-              </a:lnSpc>
-              <a:buClr>
-                <a:schemeClr val="accent2"/>
-              </a:buClr>
-              <a:buFont typeface="Wingdings 2"/>
-              <a:buChar char=""/>
-              <a:defRPr kumimoji="0" sz="2400">
-                <a:latin typeface="+mn-lt"/>
-              </a:defRPr>
-            </a:lvl3pPr>
-            <a:lvl4pPr marL="1097280" indent="-173736" algn="l" eaLnBrk="1" latinLnBrk="0" hangingPunct="1">
-              <a:lnSpc>
-                <a:spcPct val="100000"/>
-              </a:lnSpc>
-              <a:buClr>
-                <a:schemeClr val="accent3"/>
-              </a:buClr>
-              <a:buFont typeface="Wingdings 2"/>
-              <a:buChar char=""/>
-              <a:defRPr kumimoji="0" sz="2000">
-                <a:latin typeface="+mn-lt"/>
-              </a:defRPr>
-            </a:lvl4pPr>
-            <a:lvl5pPr marL="1298448" indent="-182880" algn="l" eaLnBrk="1" latinLnBrk="0" hangingPunct="1">
-              <a:lnSpc>
-                <a:spcPct val="100000"/>
-              </a:lnSpc>
-              <a:buClr>
-                <a:schemeClr val="accent4"/>
-              </a:buClr>
-              <a:buFont typeface="Wingdings 2"/>
-              <a:buChar char=""/>
-              <a:defRPr kumimoji="0" sz="2000">
-                <a:latin typeface="+mn-lt"/>
-              </a:defRPr>
-            </a:lvl5pPr>
-            <a:lvl6pPr marL="1508760" indent="-182880">
-              <a:lnSpc>
-                <a:spcPct val="100000"/>
-              </a:lnSpc>
-              <a:spcBef>
-                <a:spcPct val="20000"/>
-              </a:spcBef>
-              <a:buClr>
-                <a:schemeClr val="accent5"/>
-              </a:buClr>
-              <a:buFont typeface="Wingdings 2"/>
-              <a:buChar char=""/>
-              <a:defRPr kumimoji="0" sz="2000">
-                <a:latin typeface="+mn-lt"/>
-              </a:defRPr>
-            </a:lvl6pPr>
-            <a:lvl7pPr marL="1719072" indent="-182880">
-              <a:lnSpc>
-                <a:spcPct val="100000"/>
-              </a:lnSpc>
-              <a:spcBef>
-                <a:spcPct val="20000"/>
-              </a:spcBef>
-              <a:buClr>
-                <a:schemeClr val="accent6"/>
-              </a:buClr>
-              <a:buFont typeface="Wingdings 2"/>
-              <a:buChar char=""/>
-              <a:defRPr kumimoji="0" sz="2000">
-                <a:latin typeface="+mn-lt"/>
-              </a:defRPr>
-            </a:lvl7pPr>
-            <a:lvl8pPr marL="1920240" indent="-182880">
-              <a:lnSpc>
-                <a:spcPct val="100000"/>
-              </a:lnSpc>
-              <a:spcBef>
-                <a:spcPct val="20000"/>
-              </a:spcBef>
-              <a:buClr>
-                <a:schemeClr val="accent6"/>
-              </a:buClr>
-              <a:buFont typeface="Wingdings 2"/>
-              <a:buChar char=""/>
-              <a:defRPr kumimoji="0" sz="2000">
-                <a:latin typeface="+mn-lt"/>
-              </a:defRPr>
-            </a:lvl8pPr>
-            <a:lvl9pPr marL="2130552" indent="-182880">
-              <a:lnSpc>
-                <a:spcPct val="100000"/>
-              </a:lnSpc>
-              <a:spcBef>
-                <a:spcPct val="20000"/>
-              </a:spcBef>
-              <a:buClr>
-                <a:schemeClr val="accent6"/>
-              </a:buClr>
-              <a:buFont typeface="Wingdings 2"/>
-              <a:buChar char=""/>
-              <a:defRPr kumimoji="0" sz="2000">
-                <a:latin typeface="+mn-lt"/>
-              </a:defRPr>
-            </a:lvl9pPr>
-            <a:extLst/>
-          </a:lstStyle>
-          <a:p>
-            <a:r>
-              <a:rPr lang="en-US" dirty="0">
-                <a:latin typeface="Avenir Medium"/>
-                <a:cs typeface="Avenir Medium"/>
-              </a:rPr>
-              <a:t>Sales Dashboard in R with qplot and ggplot2 - Part 1</a:t>
-            </a:r>
-          </a:p>
-          <a:p>
-            <a:pPr marL="82296" indent="0">
-              <a:buNone/>
-            </a:pPr>
-            <a:r>
-              <a:rPr lang="en-US" dirty="0">
-                <a:latin typeface="Avenir Medium"/>
-                <a:cs typeface="Avenir Medium"/>
-                <a:hlinkClick r:id="rId2"/>
-              </a:rPr>
-              <a:t>http://www.milanor.net/blog/?p=1246</a:t>
-            </a:r>
-            <a:endParaRPr lang="en-US" dirty="0">
-              <a:latin typeface="Avenir Medium"/>
-              <a:cs typeface="Avenir Medium"/>
-            </a:endParaRPr>
-          </a:p>
-          <a:p>
-            <a:r>
-              <a:rPr lang="en-US" dirty="0">
-                <a:latin typeface="Avenir Medium"/>
-                <a:cs typeface="Avenir Medium"/>
-              </a:rPr>
-              <a:t>Sales Dashboard in R with qplot and ggplot2 – Part 2</a:t>
-            </a:r>
-          </a:p>
-          <a:p>
-            <a:pPr marL="82296" indent="0">
-              <a:buNone/>
-            </a:pPr>
-            <a:r>
-              <a:rPr lang="en-US" dirty="0">
-                <a:latin typeface="Avenir Medium"/>
-                <a:cs typeface="Avenir Medium"/>
-                <a:hlinkClick r:id="rId3"/>
-              </a:rPr>
-              <a:t>http://www.milanor.net/blog/?p=1250</a:t>
-            </a:r>
-            <a:endParaRPr lang="en-US" dirty="0">
-              <a:latin typeface="Avenir Medium"/>
-              <a:cs typeface="Avenir Medium"/>
-            </a:endParaRPr>
-          </a:p>
-          <a:p>
-            <a:r>
-              <a:rPr lang="en-US" dirty="0">
-                <a:latin typeface="Avenir Medium"/>
-                <a:cs typeface="Avenir Medium"/>
-              </a:rPr>
-              <a:t>Sales Dashboard in R with qplot and ggplot2 – Part 2</a:t>
-            </a:r>
-          </a:p>
-          <a:p>
-            <a:pPr marL="82296" indent="0">
-              <a:buNone/>
-            </a:pPr>
-            <a:r>
-              <a:rPr lang="en-US" dirty="0">
-                <a:latin typeface="Avenir Medium"/>
-                <a:cs typeface="Avenir Medium"/>
-                <a:hlinkClick r:id="rId4"/>
-              </a:rPr>
-              <a:t>http://www.milanor.net/blog/?p=1254</a:t>
-            </a:r>
-            <a:endParaRPr lang="en-US" dirty="0">
-              <a:latin typeface="Avenir Medium"/>
-              <a:cs typeface="Avenir Medium"/>
-            </a:endParaRPr>
-          </a:p>
-          <a:p>
-            <a:pPr marL="82296" indent="0">
-              <a:buNone/>
-            </a:pPr>
-            <a:endParaRPr lang="en-US" dirty="0">
-              <a:latin typeface="Avenir Medium"/>
-              <a:cs typeface="Avenir Medium"/>
-            </a:endParaRPr>
-          </a:p>
-          <a:p>
-            <a:pPr marL="82296" indent="0">
-              <a:buNone/>
-            </a:pPr>
-            <a:endParaRPr lang="en-US" dirty="0">
-              <a:latin typeface="Avenir Medium"/>
-              <a:cs typeface="Avenir Medium"/>
-            </a:endParaRPr>
-          </a:p>
-        </p:txBody>
-      </p:sp>
-    </p:spTree>
-    <p:extLst>
-      <p:ext uri="{BB962C8B-B14F-4D97-AF65-F5344CB8AC3E}">
-        <p14:creationId xmlns:p14="http://schemas.microsoft.com/office/powerpoint/2010/main" val="1150928786"/>
+        <p14:creationId xmlns:p14="http://schemas.microsoft.com/office/powerpoint/2010/main" val="3967558649"/>
       </p:ext>
     </p:extLst>
   </p:cSld>

--- a/08 Data Visualization with -mostly- ggplot2/08_ggplot2.pptx
+++ b/08 Data Visualization with -mostly- ggplot2/08_ggplot2.pptx
@@ -5803,13 +5803,13 @@
         </p:nvSpPr>
         <p:spPr>
           <a:xfrm>
-            <a:off x="914400" y="1447800"/>
-            <a:ext cx="8153400" cy="5334000"/>
+            <a:off x="914400" y="1143000"/>
+            <a:ext cx="8153400" cy="5638800"/>
           </a:xfrm>
         </p:spPr>
         <p:txBody>
           <a:bodyPr>
-            <a:normAutofit fontScale="70000" lnSpcReduction="20000"/>
+            <a:normAutofit fontScale="62500" lnSpcReduction="20000"/>
           </a:bodyPr>
           <a:lstStyle/>
           <a:p>
@@ -5831,13 +5831,13 @@
               <a:buNone/>
             </a:pPr>
             <a:r>
-              <a:rPr lang="en-US" sz="3000" dirty="0">
+              <a:rPr lang="en-US" sz="2200" dirty="0">
                 <a:hlinkClick r:id="rId2"/>
               </a:rPr>
               <a:t>https://rstudio-pubs-static.s3.amazonaws.com/228019_f0c39e05758a4a51b435b19dbd321c23.html#21_scatter_plots:_continuous_x_and_y</a:t>
             </a:r>
             <a:r>
-              <a:rPr lang="en-US" sz="3000" dirty="0"/>
+              <a:rPr lang="en-US" sz="2200" dirty="0"/>
               <a:t> </a:t>
             </a:r>
           </a:p>
@@ -6006,42 +6006,25 @@
                 <a:spcPct val="110000"/>
               </a:lnSpc>
             </a:pPr>
-            <a:endParaRPr lang="en-US" sz="3000" dirty="0"/>
-          </a:p>
-          <a:p>
-            <a:pPr>
-              <a:lnSpc>
-                <a:spcPct val="110000"/>
-              </a:lnSpc>
-            </a:pPr>
-            <a:endParaRPr lang="en-US" sz="3000" dirty="0"/>
-          </a:p>
-          <a:p>
-            <a:pPr marL="403225" lvl="1" indent="0">
-              <a:lnSpc>
-                <a:spcPct val="110000"/>
-              </a:lnSpc>
-              <a:buNone/>
-            </a:pPr>
-            <a:endParaRPr lang="en-US" sz="2600" dirty="0"/>
-          </a:p>
-          <a:p>
-            <a:pPr marL="403225" lvl="1" indent="0">
-              <a:lnSpc>
-                <a:spcPct val="110000"/>
-              </a:lnSpc>
-              <a:buNone/>
-            </a:pPr>
-            <a:endParaRPr lang="en-US" sz="2600" dirty="0"/>
-          </a:p>
-          <a:p>
-            <a:pPr marL="403225" lvl="1" indent="0">
-              <a:lnSpc>
-                <a:spcPct val="110000"/>
-              </a:lnSpc>
-              <a:buNone/>
-            </a:pPr>
-            <a:endParaRPr lang="en-US" sz="2600" dirty="0"/>
+            <a:r>
+              <a:rPr lang="en-US" sz="3000" dirty="0"/>
+              <a:t>Be Awesome in ggplot2: A Practical Guide to be Highly Effective - R software and data visualization</a:t>
+            </a:r>
+          </a:p>
+          <a:p>
+            <a:pPr marL="82296" indent="0">
+              <a:lnSpc>
+                <a:spcPct val="110000"/>
+              </a:lnSpc>
+              <a:buNone/>
+            </a:pPr>
+            <a:r>
+              <a:rPr lang="en-US" sz="2200" dirty="0">
+                <a:hlinkClick r:id="rId7"/>
+              </a:rPr>
+              <a:t>http://www.sthda.com/english/wiki/be-awesome-in-ggplot2-a-practical-guide-to-be-highly-effective-r-software-and-data-visualization#at_pco=smlwn-1.0&amp;at_si=5864ce77dce7fc07&amp;at_ab=per-2&amp;at_pos=0&amp;at_tot=1</a:t>
+            </a:r>
+            <a:endParaRPr lang="en-US" sz="2200" dirty="0"/>
           </a:p>
           <a:p>
             <a:pPr marL="403225" lvl="1" indent="0">
@@ -6220,14 +6203,6 @@
               </a:rPr>
               <a:t>https://github.com/marinfotache/Data-Processing-Analysis-Science-with-R/blob/master/08%20Data%20Visualization%20with%20-mostly-%20ggplot2/08b_categorical_variables_visualization.R</a:t>
             </a:r>
-            <a:endParaRPr lang="en-US" sz="3000" dirty="0"/>
-          </a:p>
-          <a:p>
-            <a:pPr>
-              <a:lnSpc>
-                <a:spcPct val="110000"/>
-              </a:lnSpc>
-            </a:pPr>
             <a:endParaRPr lang="en-US" sz="3000" dirty="0"/>
           </a:p>
           <a:p>

--- a/08 Data Visualization with -mostly- ggplot2/08_ggplot2.pptx
+++ b/08 Data Visualization with -mostly- ggplot2/08_ggplot2.pptx
@@ -5490,7 +5490,7 @@
         </p:spPr>
         <p:txBody>
           <a:bodyPr>
-            <a:normAutofit fontScale="77500" lnSpcReduction="20000"/>
+            <a:normAutofit fontScale="62500" lnSpcReduction="20000"/>
           </a:bodyPr>
           <a:lstStyle/>
           <a:p>
@@ -5501,15 +5501,23 @@
             </a:pPr>
             <a:r>
               <a:rPr lang="en-US" sz="3000" dirty="0"/>
-              <a:t>Kieran Healy - </a:t>
+              <a:t>Garrett </a:t>
+            </a:r>
+            <a:r>
+              <a:rPr lang="en-US" sz="3000" dirty="0" err="1"/>
+              <a:t>Grolemund</a:t>
+            </a:r>
+            <a:r>
+              <a:rPr lang="en-US" sz="3000" dirty="0"/>
+              <a:t>, Hadley Wickham - </a:t>
             </a:r>
             <a:r>
               <a:rPr lang="en-US" sz="3000" i="1" dirty="0"/>
-              <a:t>Data Visualization. A practical introduction</a:t>
+              <a:t>R for Data Science</a:t>
             </a:r>
             <a:r>
               <a:rPr lang="en-US" sz="3000" dirty="0"/>
-              <a:t>, Princeton University Press (2018)</a:t>
+              <a:t>, O’Reilly (2017)</a:t>
             </a:r>
           </a:p>
           <a:p>
@@ -5520,8 +5528,13 @@
             </a:pPr>
             <a:r>
               <a:rPr lang="en-US" sz="2600" dirty="0"/>
-              <a:t>3 Make a plot</a:t>
-            </a:r>
+              <a:t>3 Data </a:t>
+            </a:r>
+            <a:r>
+              <a:rPr lang="en-US" sz="2600" dirty="0" err="1"/>
+              <a:t>visualisation</a:t>
+            </a:r>
+            <a:endParaRPr lang="en-US" sz="2600" dirty="0"/>
           </a:p>
           <a:p>
             <a:pPr marL="403225" lvl="1" indent="0">
@@ -5534,36 +5547,35 @@
               <a:rPr lang="en-US" sz="2600" dirty="0">
                 <a:hlinkClick r:id="rId2"/>
               </a:rPr>
-              <a:t>http://socviz.co/makeplot.html#makeplot</a:t>
+              <a:t>https://r4ds.had.co.nz/data-visualisation.html</a:t>
             </a:r>
             <a:endParaRPr lang="en-US" sz="2600" dirty="0"/>
           </a:p>
           <a:p>
-            <a:pPr marL="403225" lvl="1" indent="0">
-              <a:lnSpc>
-                <a:spcPct val="110000"/>
-              </a:lnSpc>
-              <a:buNone/>
-            </a:pPr>
-            <a:endParaRPr lang="en-US" sz="2600" dirty="0"/>
-          </a:p>
-          <a:p>
             <a:pPr>
               <a:lnSpc>
                 <a:spcPct val="110000"/>
               </a:lnSpc>
             </a:pPr>
+            <a:endParaRPr lang="en-US" sz="1600" dirty="0"/>
+          </a:p>
+          <a:p>
+            <a:pPr>
+              <a:lnSpc>
+                <a:spcPct val="110000"/>
+              </a:lnSpc>
+            </a:pPr>
             <a:r>
               <a:rPr lang="en-US" sz="3000" dirty="0"/>
-              <a:t>Michael Clark - </a:t>
+              <a:t>Kieran Healy - </a:t>
             </a:r>
             <a:r>
               <a:rPr lang="en-US" sz="3000" i="1" dirty="0"/>
-              <a:t>Data Processing &amp; Visualization</a:t>
+              <a:t>Data Visualization. A practical introduction</a:t>
             </a:r>
             <a:r>
               <a:rPr lang="en-US" sz="3000" dirty="0"/>
-              <a:t> (2018)</a:t>
+              <a:t>, Princeton University Press (2018)</a:t>
             </a:r>
           </a:p>
           <a:p>
@@ -5574,7 +5586,7 @@
             </a:pPr>
             <a:r>
               <a:rPr lang="en-US" sz="2600" dirty="0"/>
-              <a:t>ggplot2</a:t>
+              <a:t>3 Make a plot</a:t>
             </a:r>
           </a:p>
           <a:p>
@@ -5588,6 +5600,60 @@
               <a:rPr lang="en-US" sz="2600" dirty="0">
                 <a:hlinkClick r:id="rId3"/>
               </a:rPr>
+              <a:t>http://socviz.co/makeplot.html#makeplot</a:t>
+            </a:r>
+            <a:endParaRPr lang="en-US" sz="2600" dirty="0"/>
+          </a:p>
+          <a:p>
+            <a:pPr marL="403225" lvl="1" indent="0">
+              <a:lnSpc>
+                <a:spcPct val="110000"/>
+              </a:lnSpc>
+              <a:buNone/>
+            </a:pPr>
+            <a:endParaRPr lang="en-US" sz="1400" dirty="0"/>
+          </a:p>
+          <a:p>
+            <a:pPr>
+              <a:lnSpc>
+                <a:spcPct val="110000"/>
+              </a:lnSpc>
+            </a:pPr>
+            <a:r>
+              <a:rPr lang="en-US" sz="3000" dirty="0"/>
+              <a:t>Michael Clark - </a:t>
+            </a:r>
+            <a:r>
+              <a:rPr lang="en-US" sz="3000" i="1" dirty="0"/>
+              <a:t>Data Processing &amp; Visualization</a:t>
+            </a:r>
+            <a:r>
+              <a:rPr lang="en-US" sz="3000" dirty="0"/>
+              <a:t> (2018)</a:t>
+            </a:r>
+          </a:p>
+          <a:p>
+            <a:pPr lvl="1">
+              <a:lnSpc>
+                <a:spcPct val="110000"/>
+              </a:lnSpc>
+            </a:pPr>
+            <a:r>
+              <a:rPr lang="en-US" sz="2600" dirty="0"/>
+              <a:t>ggplot2</a:t>
+            </a:r>
+          </a:p>
+          <a:p>
+            <a:pPr marL="403225" lvl="1" indent="0">
+              <a:lnSpc>
+                <a:spcPct val="110000"/>
+              </a:lnSpc>
+              <a:buNone/>
+            </a:pPr>
+            <a:r>
+              <a:rPr lang="en-US" sz="2600" dirty="0">
+                <a:hlinkClick r:id="rId4"/>
+              </a:rPr>
               <a:t>https://m-clark.github.io/data-processing-and-visualization/ggplot2.html</a:t>
             </a:r>
             <a:endParaRPr lang="en-US" sz="2600" dirty="0"/>
@@ -5599,7 +5665,7 @@
               </a:lnSpc>
               <a:buNone/>
             </a:pPr>
-            <a:endParaRPr lang="en-US" sz="2600" dirty="0"/>
+            <a:endParaRPr lang="en-US" sz="1100" dirty="0"/>
           </a:p>
           <a:p>
             <a:pPr>
@@ -5640,7 +5706,7 @@
             </a:pPr>
             <a:r>
               <a:rPr lang="en-US" sz="2600" dirty="0">
-                <a:hlinkClick r:id="rId4"/>
+                <a:hlinkClick r:id="rId5"/>
               </a:rPr>
               <a:t>https://dzchilds.github.io/eda-for-bio/introduction-to-ggplot2.html</a:t>
             </a:r>
@@ -6396,7 +6462,29 @@
             </a:pPr>
             <a:r>
               <a:rPr lang="en-US" sz="2600" dirty="0"/>
-              <a:t>Association between categorical variables – mosaic plots</a:t>
+              <a:t>Association between categorical variables </a:t>
+            </a:r>
+          </a:p>
+          <a:p>
+            <a:pPr lvl="2">
+              <a:lnSpc>
+                <a:spcPct val="110000"/>
+              </a:lnSpc>
+            </a:pPr>
+            <a:r>
+              <a:rPr lang="en-US" sz="2400" dirty="0"/>
+              <a:t>Mosaic plots</a:t>
+            </a:r>
+          </a:p>
+          <a:p>
+            <a:pPr lvl="2">
+              <a:lnSpc>
+                <a:spcPct val="110000"/>
+              </a:lnSpc>
+            </a:pPr>
+            <a:r>
+              <a:rPr lang="en-US" sz="2400" dirty="0"/>
+              <a:t>Heatmaps</a:t>
             </a:r>
           </a:p>
           <a:p>

--- a/08 Data Visualization with -mostly- ggplot2/08_ggplot2.pptx
+++ b/08 Data Visualization with -mostly- ggplot2/08_ggplot2.pptx
@@ -10,9 +10,10 @@
     <p:sldId id="478" r:id="rId4"/>
     <p:sldId id="480" r:id="rId5"/>
     <p:sldId id="481" r:id="rId6"/>
-    <p:sldId id="482" r:id="rId7"/>
-    <p:sldId id="485" r:id="rId8"/>
-    <p:sldId id="484" r:id="rId9"/>
+    <p:sldId id="486" r:id="rId7"/>
+    <p:sldId id="482" r:id="rId8"/>
+    <p:sldId id="485" r:id="rId9"/>
+    <p:sldId id="484" r:id="rId10"/>
   </p:sldIdLst>
   <p:sldSz cx="9144000" cy="6858000" type="screen4x3"/>
   <p:notesSz cx="6858000" cy="9144000"/>
@@ -5484,15 +5485,50 @@
         </p:nvSpPr>
         <p:spPr>
           <a:xfrm>
-            <a:off x="914400" y="1447800"/>
-            <a:ext cx="8153400" cy="5334000"/>
+            <a:off x="914400" y="1219200"/>
+            <a:ext cx="8153400" cy="5562600"/>
           </a:xfrm>
         </p:spPr>
         <p:txBody>
           <a:bodyPr>
-            <a:normAutofit fontScale="62500" lnSpcReduction="20000"/>
+            <a:normAutofit fontScale="77500" lnSpcReduction="20000"/>
           </a:bodyPr>
           <a:lstStyle/>
+          <a:p>
+            <a:pPr>
+              <a:lnSpc>
+                <a:spcPct val="110000"/>
+              </a:lnSpc>
+            </a:pPr>
+            <a:r>
+              <a:rPr lang="en-US" sz="3000" dirty="0"/>
+              <a:t>Hadley Wickham - ggplot2: Elegant Graphics for Data Analysis (2020)</a:t>
+            </a:r>
+          </a:p>
+          <a:p>
+            <a:pPr marL="82296" indent="0">
+              <a:lnSpc>
+                <a:spcPct val="110000"/>
+              </a:lnSpc>
+              <a:buNone/>
+            </a:pPr>
+            <a:r>
+              <a:rPr lang="en-US" sz="3000" dirty="0">
+                <a:hlinkClick r:id="rId2"/>
+              </a:rPr>
+              <a:t>https://ggplot2-book.org/index.html</a:t>
+            </a:r>
+            <a:endParaRPr lang="en-US" sz="3000" dirty="0"/>
+          </a:p>
+          <a:p>
+            <a:pPr marL="82296" indent="0">
+              <a:lnSpc>
+                <a:spcPct val="110000"/>
+              </a:lnSpc>
+              <a:buNone/>
+            </a:pPr>
+            <a:endParaRPr lang="en-US" sz="3000" dirty="0"/>
+          </a:p>
           <a:p>
             <a:pPr>
               <a:lnSpc>
@@ -5535,59 +5571,6 @@
               <a:t>visualisation</a:t>
             </a:r>
             <a:endParaRPr lang="en-US" sz="2600" dirty="0"/>
-          </a:p>
-          <a:p>
-            <a:pPr marL="403225" lvl="1" indent="0">
-              <a:lnSpc>
-                <a:spcPct val="110000"/>
-              </a:lnSpc>
-              <a:buNone/>
-            </a:pPr>
-            <a:r>
-              <a:rPr lang="en-US" sz="2600" dirty="0">
-                <a:hlinkClick r:id="rId2"/>
-              </a:rPr>
-              <a:t>https://r4ds.had.co.nz/data-visualisation.html</a:t>
-            </a:r>
-            <a:endParaRPr lang="en-US" sz="2600" dirty="0"/>
-          </a:p>
-          <a:p>
-            <a:pPr>
-              <a:lnSpc>
-                <a:spcPct val="110000"/>
-              </a:lnSpc>
-            </a:pPr>
-            <a:endParaRPr lang="en-US" sz="1600" dirty="0"/>
-          </a:p>
-          <a:p>
-            <a:pPr>
-              <a:lnSpc>
-                <a:spcPct val="110000"/>
-              </a:lnSpc>
-            </a:pPr>
-            <a:r>
-              <a:rPr lang="en-US" sz="3000" dirty="0"/>
-              <a:t>Kieran Healy - </a:t>
-            </a:r>
-            <a:r>
-              <a:rPr lang="en-US" sz="3000" i="1" dirty="0"/>
-              <a:t>Data Visualization. A practical introduction</a:t>
-            </a:r>
-            <a:r>
-              <a:rPr lang="en-US" sz="3000" dirty="0"/>
-              <a:t>, Princeton University Press (2018)</a:t>
-            </a:r>
-          </a:p>
-          <a:p>
-            <a:pPr lvl="1">
-              <a:lnSpc>
-                <a:spcPct val="110000"/>
-              </a:lnSpc>
-            </a:pPr>
-            <a:r>
-              <a:rPr lang="en-US" sz="2600" dirty="0"/>
-              <a:t>3 Make a plot</a:t>
-            </a:r>
           </a:p>
           <a:p>
             <a:pPr marL="403225" lvl="1" indent="0">
@@ -5600,9 +5583,17 @@
               <a:rPr lang="en-US" sz="2600" dirty="0">
                 <a:hlinkClick r:id="rId3"/>
               </a:rPr>
-              <a:t>http://socviz.co/makeplot.html#makeplot</a:t>
+              <a:t>https://r4ds.had.co.nz/data-visualisation.html</a:t>
             </a:r>
             <a:endParaRPr lang="en-US" sz="2600" dirty="0"/>
+          </a:p>
+          <a:p>
+            <a:pPr>
+              <a:lnSpc>
+                <a:spcPct val="110000"/>
+              </a:lnSpc>
+            </a:pPr>
+            <a:endParaRPr lang="en-US" sz="1600" dirty="0"/>
           </a:p>
           <a:p>
             <a:pPr marL="403225" lvl="1" indent="0">
@@ -5655,60 +5646,6 @@
                 <a:hlinkClick r:id="rId4"/>
               </a:rPr>
               <a:t>https://m-clark.github.io/data-processing-and-visualization/ggplot2.html</a:t>
-            </a:r>
-            <a:endParaRPr lang="en-US" sz="2600" dirty="0"/>
-          </a:p>
-          <a:p>
-            <a:pPr marL="403225" lvl="1" indent="0">
-              <a:lnSpc>
-                <a:spcPct val="110000"/>
-              </a:lnSpc>
-              <a:buNone/>
-            </a:pPr>
-            <a:endParaRPr lang="en-US" sz="1100" dirty="0"/>
-          </a:p>
-          <a:p>
-            <a:pPr>
-              <a:lnSpc>
-                <a:spcPct val="110000"/>
-              </a:lnSpc>
-            </a:pPr>
-            <a:r>
-              <a:rPr lang="en-US" sz="3000" dirty="0"/>
-              <a:t>Dylan Z. Childs - </a:t>
-            </a:r>
-            <a:r>
-              <a:rPr lang="en-US" sz="3000" i="1" dirty="0"/>
-              <a:t>APS 135: Introduction to Exploratory Data Analysis with R</a:t>
-            </a:r>
-            <a:r>
-              <a:rPr lang="en-US" sz="3000" dirty="0"/>
-              <a:t> (2018)</a:t>
-            </a:r>
-          </a:p>
-          <a:p>
-            <a:pPr lvl="1">
-              <a:lnSpc>
-                <a:spcPct val="110000"/>
-              </a:lnSpc>
-            </a:pPr>
-            <a:r>
-              <a:rPr lang="en-US" sz="2600" dirty="0"/>
-              <a:t>Chapter 18 Introduction to ggplot2</a:t>
-            </a:r>
-          </a:p>
-          <a:p>
-            <a:pPr marL="403225" lvl="1" indent="0">
-              <a:lnSpc>
-                <a:spcPct val="110000"/>
-              </a:lnSpc>
-              <a:buNone/>
-            </a:pPr>
-            <a:r>
-              <a:rPr lang="en-US" sz="2600" dirty="0">
-                <a:hlinkClick r:id="rId5"/>
-              </a:rPr>
-              <a:t>https://dzchilds.github.io/eda-for-bio/introduction-to-ggplot2.html</a:t>
             </a:r>
             <a:endParaRPr lang="en-US" sz="2600" dirty="0"/>
           </a:p>
@@ -5875,7 +5812,7 @@
         </p:spPr>
         <p:txBody>
           <a:bodyPr>
-            <a:normAutofit fontScale="62500" lnSpcReduction="20000"/>
+            <a:normAutofit fontScale="77500" lnSpcReduction="20000"/>
           </a:bodyPr>
           <a:lstStyle/>
           <a:p>
@@ -5886,26 +5823,32 @@
             </a:pPr>
             <a:r>
               <a:rPr lang="en-US" sz="3000" dirty="0"/>
-              <a:t>C.J. Liu - beautiful graphics ggplot2 (2016)</a:t>
-            </a:r>
-          </a:p>
-          <a:p>
-            <a:pPr marL="82296" indent="0">
-              <a:lnSpc>
-                <a:spcPct val="110000"/>
-              </a:lnSpc>
-              <a:buNone/>
-            </a:pPr>
-            <a:r>
-              <a:rPr lang="en-US" sz="2200" dirty="0">
+              <a:t>Claus O. Wilke - </a:t>
+            </a:r>
+            <a:r>
+              <a:rPr lang="en-US" sz="3000" i="1" dirty="0"/>
+              <a:t>Fundamentals of Data Visualization</a:t>
+            </a:r>
+            <a:r>
+              <a:rPr lang="en-US" sz="3000" dirty="0"/>
+              <a:t> (2018)</a:t>
+            </a:r>
+            <a:endParaRPr lang="en-US" sz="2600" dirty="0"/>
+          </a:p>
+          <a:p>
+            <a:pPr marL="403225" lvl="1" indent="0">
+              <a:lnSpc>
+                <a:spcPct val="110000"/>
+              </a:lnSpc>
+              <a:buNone/>
+            </a:pPr>
+            <a:r>
+              <a:rPr lang="en-US" sz="2600" dirty="0">
                 <a:hlinkClick r:id="rId2"/>
               </a:rPr>
-              <a:t>https://rstudio-pubs-static.s3.amazonaws.com/228019_f0c39e05758a4a51b435b19dbd321c23.html#21_scatter_plots:_continuous_x_and_y</a:t>
-            </a:r>
-            <a:r>
-              <a:rPr lang="en-US" sz="2200" dirty="0"/>
-              <a:t> </a:t>
-            </a:r>
+              <a:t>https://serialmentor.com/dataviz/</a:t>
+            </a:r>
+            <a:endParaRPr lang="en-US" sz="3000" dirty="0"/>
           </a:p>
           <a:p>
             <a:pPr>
@@ -5915,15 +5858,23 @@
             </a:pPr>
             <a:r>
               <a:rPr lang="en-US" sz="3000" dirty="0"/>
-              <a:t>Claus O. Wilke - </a:t>
+              <a:t>Rob </a:t>
+            </a:r>
+            <a:r>
+              <a:rPr lang="en-US" sz="3000" dirty="0" err="1"/>
+              <a:t>Kabacoff</a:t>
+            </a:r>
+            <a:r>
+              <a:rPr lang="en-US" sz="3000" dirty="0"/>
+              <a:t> - </a:t>
             </a:r>
             <a:r>
               <a:rPr lang="en-US" sz="3000" i="1" dirty="0"/>
-              <a:t>Fundamentals of Data Visualization</a:t>
+              <a:t>Data Visualization with R </a:t>
             </a:r>
             <a:r>
               <a:rPr lang="en-US" sz="3000" dirty="0"/>
-              <a:t> (2018)</a:t>
+              <a:t>(2020)</a:t>
             </a:r>
             <a:endParaRPr lang="en-US" sz="2600" dirty="0"/>
           </a:p>
@@ -5938,9 +5889,9 @@
               <a:rPr lang="en-US" sz="2600" dirty="0">
                 <a:hlinkClick r:id="rId3"/>
               </a:rPr>
-              <a:t>https://serialmentor.com/dataviz/</a:t>
-            </a:r>
-            <a:endParaRPr lang="en-US" sz="3000" dirty="0"/>
+              <a:t>https://rkabacoff.github.io/datavis/</a:t>
+            </a:r>
+            <a:endParaRPr lang="en-US" sz="2600" dirty="0"/>
           </a:p>
           <a:p>
             <a:pPr>
@@ -5950,23 +5901,15 @@
             </a:pPr>
             <a:r>
               <a:rPr lang="en-US" sz="3000" dirty="0"/>
-              <a:t>Rob </a:t>
-            </a:r>
-            <a:r>
-              <a:rPr lang="en-US" sz="3000" dirty="0" err="1"/>
-              <a:t>Kabacoff</a:t>
+              <a:t>Kieran Healy - </a:t>
+            </a:r>
+            <a:r>
+              <a:rPr lang="en-US" sz="3000" i="1" dirty="0"/>
+              <a:t>Data Visualization. A practical introduction</a:t>
             </a:r>
             <a:r>
               <a:rPr lang="en-US" sz="3000" dirty="0"/>
-              <a:t> - </a:t>
-            </a:r>
-            <a:r>
-              <a:rPr lang="en-US" sz="3000" i="1" dirty="0"/>
-              <a:t>Data Visualization with R </a:t>
-            </a:r>
-            <a:r>
-              <a:rPr lang="en-US" sz="3000" dirty="0"/>
-              <a:t>(2018)</a:t>
+              <a:t>, Princeton University Press (2018)</a:t>
             </a:r>
             <a:endParaRPr lang="en-US" sz="2600" dirty="0"/>
           </a:p>
@@ -5981,7 +5924,7 @@
               <a:rPr lang="en-US" sz="2600" dirty="0">
                 <a:hlinkClick r:id="rId4"/>
               </a:rPr>
-              <a:t>https://rkabacoff.github.io/datavis/</a:t>
+              <a:t>http://socviz.co/index.html#preface</a:t>
             </a:r>
             <a:endParaRPr lang="en-US" sz="2600" dirty="0"/>
           </a:p>
@@ -5993,15 +5936,15 @@
             </a:pPr>
             <a:r>
               <a:rPr lang="en-US" sz="3000" dirty="0"/>
-              <a:t>Kieran Healy - </a:t>
+              <a:t>Dylan Z. Childs - </a:t>
             </a:r>
             <a:r>
               <a:rPr lang="en-US" sz="3000" i="1" dirty="0"/>
-              <a:t>Data Visualization. A practical introduction</a:t>
+              <a:t>APS 135: Introduction to Exploratory Data Analysis with R</a:t>
             </a:r>
             <a:r>
               <a:rPr lang="en-US" sz="3000" dirty="0"/>
-              <a:t>, Princeton University Press (2018)</a:t>
+              <a:t> (2019)</a:t>
             </a:r>
             <a:endParaRPr lang="en-US" sz="2600" dirty="0"/>
           </a:p>
@@ -6016,29 +5959,39 @@
               <a:rPr lang="en-US" sz="2600" dirty="0">
                 <a:hlinkClick r:id="rId5"/>
               </a:rPr>
-              <a:t>http://socviz.co/index.html#preface</a:t>
+              <a:t>https://dzchilds.github.io/eda-for-bio/</a:t>
             </a:r>
             <a:endParaRPr lang="en-US" sz="2600" dirty="0"/>
           </a:p>
           <a:p>
-            <a:pPr>
-              <a:lnSpc>
-                <a:spcPct val="110000"/>
-              </a:lnSpc>
-            </a:pPr>
-            <a:r>
-              <a:rPr lang="en-US" sz="3000" dirty="0"/>
-              <a:t>Dylan Z. Childs - </a:t>
-            </a:r>
-            <a:r>
-              <a:rPr lang="en-US" sz="3000" i="1" dirty="0"/>
-              <a:t>APS 135: Introduction to Exploratory Data Analysis with R</a:t>
-            </a:r>
-            <a:r>
-              <a:rPr lang="en-US" sz="3000" dirty="0"/>
-              <a:t> (2018)</a:t>
-            </a:r>
-            <a:endParaRPr lang="en-US" sz="2600" dirty="0"/>
+            <a:pPr lvl="1">
+              <a:lnSpc>
+                <a:spcPct val="110000"/>
+              </a:lnSpc>
+            </a:pPr>
+            <a:r>
+              <a:rPr lang="en-US" sz="2600" dirty="0"/>
+              <a:t>Chapters 18 - 22</a:t>
+            </a:r>
+          </a:p>
+          <a:p>
+            <a:pPr marL="365760" lvl="1" indent="-283464">
+              <a:lnSpc>
+                <a:spcPct val="110000"/>
+              </a:lnSpc>
+              <a:spcBef>
+                <a:spcPts val="600"/>
+              </a:spcBef>
+              <a:buSzPct val="80000"/>
+              <a:buFont typeface="Wingdings 2"/>
+              <a:buChar char=""/>
+            </a:pPr>
+            <a:r>
+              <a:rPr lang="en-US" sz="3000" dirty="0">
+                <a:latin typeface="Avenir Medium"/>
+              </a:rPr>
+              <a:t>Winston Chang - R Graphics Cookbook, 2nd edition (2020)</a:t>
+            </a:r>
           </a:p>
           <a:p>
             <a:pPr marL="403225" lvl="1" indent="0">
@@ -6051,46 +6004,9 @@
               <a:rPr lang="en-US" sz="2600" dirty="0">
                 <a:hlinkClick r:id="rId6"/>
               </a:rPr>
-              <a:t>https://dzchilds.github.io/eda-for-bio/</a:t>
+              <a:t>https://r-graphics.org</a:t>
             </a:r>
             <a:endParaRPr lang="en-US" sz="2600" dirty="0"/>
-          </a:p>
-          <a:p>
-            <a:pPr lvl="1">
-              <a:lnSpc>
-                <a:spcPct val="110000"/>
-              </a:lnSpc>
-            </a:pPr>
-            <a:r>
-              <a:rPr lang="en-US" sz="2600" dirty="0"/>
-              <a:t>Chapters 18 - 22</a:t>
-            </a:r>
-          </a:p>
-          <a:p>
-            <a:pPr>
-              <a:lnSpc>
-                <a:spcPct val="110000"/>
-              </a:lnSpc>
-            </a:pPr>
-            <a:r>
-              <a:rPr lang="en-US" sz="3000" dirty="0"/>
-              <a:t>Be Awesome in ggplot2: A Practical Guide to be Highly Effective - R software and data visualization</a:t>
-            </a:r>
-          </a:p>
-          <a:p>
-            <a:pPr marL="82296" indent="0">
-              <a:lnSpc>
-                <a:spcPct val="110000"/>
-              </a:lnSpc>
-              <a:buNone/>
-            </a:pPr>
-            <a:r>
-              <a:rPr lang="en-US" sz="2200" dirty="0">
-                <a:hlinkClick r:id="rId7"/>
-              </a:rPr>
-              <a:t>http://www.sthda.com/english/wiki/be-awesome-in-ggplot2-a-practical-guide-to-be-highly-effective-r-software-and-data-visualization#at_pco=smlwn-1.0&amp;at_si=5864ce77dce7fc07&amp;at_ab=per-2&amp;at_pos=0&amp;at_tot=1</a:t>
-            </a:r>
-            <a:endParaRPr lang="en-US" sz="2200" dirty="0"/>
           </a:p>
           <a:p>
             <a:pPr marL="403225" lvl="1" indent="0">
@@ -6209,18 +6125,13 @@
           <a:p>
             <a:pPr algn="ctr"/>
             <a:r>
-              <a:rPr lang="en-US" dirty="0">
+              <a:rPr lang="en-US" sz="3600" b="1" dirty="0">
                 <a:latin typeface="Arial Unicode MS" panose="020B0604020202020204" pitchFamily="34" charset="-128"/>
                 <a:ea typeface="Arial Unicode MS" panose="020B0604020202020204" pitchFamily="34" charset="-128"/>
                 <a:cs typeface="Arial Unicode MS" panose="020B0604020202020204" pitchFamily="34" charset="-128"/>
               </a:rPr>
-              <a:t>Categorical Data Visualization</a:t>
-            </a:r>
-            <a:endParaRPr lang="en-US" sz="3600" b="1" dirty="0">
-              <a:latin typeface="Arial Unicode MS" panose="020B0604020202020204" pitchFamily="34" charset="-128"/>
-              <a:ea typeface="Arial Unicode MS" panose="020B0604020202020204" pitchFamily="34" charset="-128"/>
-              <a:cs typeface="Arial Unicode MS" panose="020B0604020202020204" pitchFamily="34" charset="-128"/>
-            </a:endParaRPr>
+              <a:t>Resources on `ggplot2` (cont.)</a:t>
+            </a:r>
           </a:p>
         </p:txBody>
       </p:sp>
@@ -6236,13 +6147,13 @@
         </p:nvSpPr>
         <p:spPr>
           <a:xfrm>
-            <a:off x="914400" y="1219200"/>
-            <a:ext cx="8153400" cy="5638800"/>
+            <a:off x="914400" y="1371600"/>
+            <a:ext cx="8153400" cy="5410200"/>
           </a:xfrm>
         </p:spPr>
         <p:txBody>
           <a:bodyPr>
-            <a:normAutofit fontScale="62500" lnSpcReduction="20000"/>
+            <a:normAutofit lnSpcReduction="10000"/>
           </a:bodyPr>
           <a:lstStyle/>
           <a:p>
@@ -6253,22 +6164,40 @@
             </a:pPr>
             <a:r>
               <a:rPr lang="en-US" sz="3000" dirty="0"/>
-              <a:t>Script available at:</a:t>
-            </a:r>
-          </a:p>
-          <a:p>
-            <a:pPr marL="82296" indent="0">
-              <a:lnSpc>
-                <a:spcPct val="110000"/>
-              </a:lnSpc>
-              <a:buNone/>
-            </a:pPr>
-            <a:r>
-              <a:rPr lang="en-US" sz="3000" dirty="0">
+              <a:t>Samantha Tyner - </a:t>
+            </a:r>
+            <a:r>
+              <a:rPr lang="en-US" sz="3000" dirty="0" err="1"/>
+              <a:t>useR</a:t>
+            </a:r>
+            <a:r>
+              <a:rPr lang="en-US" sz="3000" dirty="0"/>
+              <a:t>! 2020: ggplot2 crash course (Samantha Tyner), tutorial (2020, ~ 2H)</a:t>
+            </a:r>
+            <a:endParaRPr lang="en-US" sz="2600" dirty="0"/>
+          </a:p>
+          <a:p>
+            <a:pPr marL="403225" lvl="1" indent="0">
+              <a:lnSpc>
+                <a:spcPct val="110000"/>
+              </a:lnSpc>
+              <a:buNone/>
+            </a:pPr>
+            <a:r>
+              <a:rPr lang="en-US" sz="2600" dirty="0">
                 <a:hlinkClick r:id="rId2"/>
               </a:rPr>
-              <a:t>https://github.com/marinfotache/Data-Processing-Analysis-Science-with-R/blob/master/08%20Data%20Visualization%20with%20-mostly-%20ggplot2/08b_categorical_variables_visualization.R</a:t>
-            </a:r>
+              <a:t>https://www.youtube.com/watch?v=umDKP7ofHKk</a:t>
+            </a:r>
+            <a:endParaRPr lang="en-US" sz="2600" dirty="0"/>
+          </a:p>
+          <a:p>
+            <a:pPr marL="82296" indent="0">
+              <a:lnSpc>
+                <a:spcPct val="110000"/>
+              </a:lnSpc>
+              <a:buNone/>
+            </a:pPr>
             <a:endParaRPr lang="en-US" sz="3000" dirty="0"/>
           </a:p>
           <a:p>
@@ -6279,231 +6208,50 @@
             </a:pPr>
             <a:r>
               <a:rPr lang="en-US" sz="3000" dirty="0"/>
-              <a:t>Covered chart types </a:t>
-            </a:r>
-          </a:p>
-          <a:p>
-            <a:pPr lvl="1">
-              <a:lnSpc>
-                <a:spcPct val="110000"/>
-              </a:lnSpc>
-            </a:pPr>
-            <a:r>
-              <a:rPr lang="en-US" sz="2600" dirty="0"/>
-              <a:t>Basic </a:t>
-            </a:r>
-            <a:r>
-              <a:rPr lang="en-US" sz="2600" dirty="0" err="1"/>
-              <a:t>barcharts</a:t>
-            </a:r>
-            <a:endParaRPr lang="en-US" sz="2600" dirty="0"/>
-          </a:p>
-          <a:p>
-            <a:pPr lvl="2">
-              <a:lnSpc>
-                <a:spcPct val="110000"/>
-              </a:lnSpc>
-            </a:pPr>
-            <a:r>
-              <a:rPr lang="en-US" sz="2400" dirty="0" err="1"/>
-              <a:t>Barcharts</a:t>
-            </a:r>
-            <a:r>
-              <a:rPr lang="en-US" sz="2400" dirty="0"/>
-              <a:t> of values (frequencies are pre-computed) </a:t>
-            </a:r>
-          </a:p>
-          <a:p>
-            <a:pPr lvl="2">
-              <a:lnSpc>
-                <a:spcPct val="110000"/>
-              </a:lnSpc>
-            </a:pPr>
-            <a:r>
-              <a:rPr lang="en-US" sz="2400" dirty="0" err="1"/>
-              <a:t>Barcharts</a:t>
-            </a:r>
-            <a:r>
-              <a:rPr lang="en-US" sz="2400" dirty="0"/>
-              <a:t> of counts </a:t>
-            </a:r>
-          </a:p>
-          <a:p>
-            <a:pPr lvl="2">
-              <a:lnSpc>
-                <a:spcPct val="110000"/>
-              </a:lnSpc>
-            </a:pPr>
-            <a:r>
-              <a:rPr lang="en-US" sz="2400" dirty="0" err="1"/>
-              <a:t>Barcharts</a:t>
-            </a:r>
-            <a:r>
-              <a:rPr lang="en-US" sz="2400" dirty="0"/>
-              <a:t> with two categorical variables   (side-by-side bars vs. faceting)</a:t>
+              <a:t>Thomas Lin Pedersen - </a:t>
+            </a:r>
+            <a:r>
+              <a:rPr lang="en-GB" dirty="0"/>
+              <a:t>ggplot2 workshop (parts 1 &amp; 2) (2020) (2H + 2H)</a:t>
+            </a:r>
+          </a:p>
+          <a:p>
+            <a:pPr marL="82296" indent="0">
+              <a:lnSpc>
+                <a:spcPct val="110000"/>
+              </a:lnSpc>
+              <a:buNone/>
+            </a:pPr>
+            <a:r>
+              <a:rPr lang="en-GB" dirty="0">
+                <a:hlinkClick r:id="rId3"/>
+              </a:rPr>
+              <a:t>https://www.youtube.com/watch?v=h29g21z0a68&amp;feature=youtu.be</a:t>
+            </a:r>
+            <a:endParaRPr lang="en-GB" dirty="0"/>
+          </a:p>
+          <a:p>
+            <a:pPr marL="82296" indent="0">
+              <a:lnSpc>
+                <a:spcPct val="110000"/>
+              </a:lnSpc>
+              <a:buNone/>
+            </a:pPr>
+            <a:r>
+              <a:rPr lang="en-GB" dirty="0">
+                <a:hlinkClick r:id="rId4"/>
+              </a:rPr>
+              <a:t>https://www.youtube.com/watch?v=0m4yywqNPVY&amp;feature=youtu.be</a:t>
             </a:r>
             <a:endParaRPr lang="en-US" sz="3000" dirty="0"/>
           </a:p>
           <a:p>
-            <a:pPr lvl="2">
-              <a:lnSpc>
-                <a:spcPct val="110000"/>
-              </a:lnSpc>
-            </a:pPr>
-            <a:r>
-              <a:rPr lang="en-US" sz="2400" dirty="0" err="1"/>
-              <a:t>Barcharts</a:t>
-            </a:r>
-            <a:r>
-              <a:rPr lang="en-US" sz="2400" dirty="0"/>
-              <a:t> with more categorical variables</a:t>
-            </a:r>
-          </a:p>
-          <a:p>
-            <a:pPr lvl="2">
-              <a:lnSpc>
-                <a:spcPct val="110000"/>
-              </a:lnSpc>
-            </a:pPr>
-            <a:r>
-              <a:rPr lang="en-US" sz="2400" dirty="0" err="1"/>
-              <a:t>Barcharts</a:t>
-            </a:r>
-            <a:r>
-              <a:rPr lang="en-US" sz="2400" dirty="0"/>
-              <a:t> with numeric x-axis</a:t>
-            </a:r>
-          </a:p>
-          <a:p>
-            <a:pPr lvl="1">
-              <a:lnSpc>
-                <a:spcPct val="110000"/>
-              </a:lnSpc>
-            </a:pPr>
-            <a:r>
-              <a:rPr lang="en-US" sz="2600" dirty="0"/>
-              <a:t>More on </a:t>
-            </a:r>
-            <a:r>
-              <a:rPr lang="en-US" sz="2600" dirty="0" err="1"/>
-              <a:t>barcharts</a:t>
-            </a:r>
-            <a:r>
-              <a:rPr lang="en-US" sz="2600" dirty="0"/>
-              <a:t>	</a:t>
-            </a:r>
-          </a:p>
-          <a:p>
-            <a:pPr lvl="2">
-              <a:lnSpc>
-                <a:spcPct val="110000"/>
-              </a:lnSpc>
-            </a:pPr>
-            <a:r>
-              <a:rPr lang="en-US" sz="2400" dirty="0"/>
-              <a:t>Bars and text justification</a:t>
-            </a:r>
-          </a:p>
-          <a:p>
-            <a:pPr lvl="2">
-              <a:lnSpc>
-                <a:spcPct val="110000"/>
-              </a:lnSpc>
-            </a:pPr>
-            <a:r>
-              <a:rPr lang="en-US" sz="2400" dirty="0"/>
-              <a:t>Bars and conditional text justification	</a:t>
-            </a:r>
-          </a:p>
-          <a:p>
-            <a:pPr lvl="2">
-              <a:lnSpc>
-                <a:spcPct val="110000"/>
-              </a:lnSpc>
-            </a:pPr>
-            <a:r>
-              <a:rPr lang="en-US" sz="2400" dirty="0"/>
-              <a:t>Changing the bar order 	</a:t>
-            </a:r>
-          </a:p>
-          <a:p>
-            <a:pPr lvl="1">
-              <a:lnSpc>
-                <a:spcPct val="110000"/>
-              </a:lnSpc>
-            </a:pPr>
-            <a:r>
-              <a:rPr lang="en-US" sz="2600" dirty="0"/>
-              <a:t>(A sort of) </a:t>
-            </a:r>
-            <a:r>
-              <a:rPr lang="en-US" sz="2600" dirty="0" err="1"/>
-              <a:t>Dotcharts</a:t>
-            </a:r>
-            <a:endParaRPr lang="en-US" sz="2600" dirty="0"/>
-          </a:p>
-          <a:p>
-            <a:pPr lvl="1">
-              <a:lnSpc>
-                <a:spcPct val="110000"/>
-              </a:lnSpc>
-            </a:pPr>
-            <a:r>
-              <a:rPr lang="en-US" sz="2600" dirty="0" err="1"/>
-              <a:t>Piecharts</a:t>
-            </a:r>
-            <a:endParaRPr lang="en-US" sz="2600" dirty="0"/>
-          </a:p>
-          <a:p>
-            <a:pPr lvl="1">
-              <a:lnSpc>
-                <a:spcPct val="110000"/>
-              </a:lnSpc>
-            </a:pPr>
-            <a:r>
-              <a:rPr lang="en-US" sz="2600" dirty="0"/>
-              <a:t>Association between categorical variables </a:t>
-            </a:r>
-          </a:p>
-          <a:p>
-            <a:pPr lvl="2">
-              <a:lnSpc>
-                <a:spcPct val="110000"/>
-              </a:lnSpc>
-            </a:pPr>
-            <a:r>
-              <a:rPr lang="en-US" sz="2400" dirty="0"/>
-              <a:t>Mosaic plots</a:t>
-            </a:r>
-          </a:p>
-          <a:p>
-            <a:pPr lvl="2">
-              <a:lnSpc>
-                <a:spcPct val="110000"/>
-              </a:lnSpc>
-            </a:pPr>
-            <a:r>
-              <a:rPr lang="en-US" sz="2400" dirty="0"/>
-              <a:t>Heatmaps</a:t>
-            </a:r>
-          </a:p>
-          <a:p>
-            <a:pPr marL="403225" lvl="1" indent="0">
-              <a:lnSpc>
-                <a:spcPct val="110000"/>
-              </a:lnSpc>
-              <a:buNone/>
-            </a:pPr>
-            <a:endParaRPr lang="en-US" sz="2600" dirty="0"/>
-          </a:p>
-          <a:p>
-            <a:pPr marL="403225" lvl="1" indent="0">
-              <a:lnSpc>
-                <a:spcPct val="110000"/>
-              </a:lnSpc>
-              <a:buNone/>
-            </a:pPr>
-            <a:endParaRPr lang="en-US" sz="2600" dirty="0"/>
+            <a:pPr>
+              <a:lnSpc>
+                <a:spcPct val="110000"/>
+              </a:lnSpc>
+            </a:pPr>
+            <a:endParaRPr lang="en-US" sz="3000" dirty="0"/>
           </a:p>
           <a:p>
             <a:pPr marL="403225" lvl="1" indent="0">
@@ -6568,7 +6316,7 @@
     </p:spTree>
     <p:extLst>
       <p:ext uri="{BB962C8B-B14F-4D97-AF65-F5344CB8AC3E}">
-        <p14:creationId xmlns:p14="http://schemas.microsoft.com/office/powerpoint/2010/main" val="745202635"/>
+        <p14:creationId xmlns:p14="http://schemas.microsoft.com/office/powerpoint/2010/main" val="1728251846"/>
       </p:ext>
     </p:extLst>
   </p:cSld>
@@ -6627,6 +6375,419 @@
                 <a:ea typeface="Arial Unicode MS" panose="020B0604020202020204" pitchFamily="34" charset="-128"/>
                 <a:cs typeface="Arial Unicode MS" panose="020B0604020202020204" pitchFamily="34" charset="-128"/>
               </a:rPr>
+              <a:t>Categorical Data Visualization</a:t>
+            </a:r>
+            <a:endParaRPr lang="en-US" sz="3600" b="1" dirty="0">
+              <a:latin typeface="Arial Unicode MS" panose="020B0604020202020204" pitchFamily="34" charset="-128"/>
+              <a:ea typeface="Arial Unicode MS" panose="020B0604020202020204" pitchFamily="34" charset="-128"/>
+              <a:cs typeface="Arial Unicode MS" panose="020B0604020202020204" pitchFamily="34" charset="-128"/>
+            </a:endParaRPr>
+          </a:p>
+        </p:txBody>
+      </p:sp>
+      <p:sp>
+        <p:nvSpPr>
+          <p:cNvPr id="3" name="Text Placeholder 2"/>
+          <p:cNvSpPr>
+            <a:spLocks noGrp="1"/>
+          </p:cNvSpPr>
+          <p:nvPr>
+            <p:ph type="body" sz="half" idx="1"/>
+          </p:nvPr>
+        </p:nvSpPr>
+        <p:spPr>
+          <a:xfrm>
+            <a:off x="914400" y="1219200"/>
+            <a:ext cx="8153400" cy="5638800"/>
+          </a:xfrm>
+        </p:spPr>
+        <p:txBody>
+          <a:bodyPr>
+            <a:normAutofit fontScale="62500" lnSpcReduction="20000"/>
+          </a:bodyPr>
+          <a:lstStyle/>
+          <a:p>
+            <a:pPr>
+              <a:lnSpc>
+                <a:spcPct val="110000"/>
+              </a:lnSpc>
+            </a:pPr>
+            <a:r>
+              <a:rPr lang="en-US" sz="3000" dirty="0"/>
+              <a:t>Script available at:</a:t>
+            </a:r>
+          </a:p>
+          <a:p>
+            <a:pPr marL="82296" indent="0">
+              <a:lnSpc>
+                <a:spcPct val="110000"/>
+              </a:lnSpc>
+              <a:buNone/>
+            </a:pPr>
+            <a:r>
+              <a:rPr lang="en-US" sz="3000" dirty="0">
+                <a:hlinkClick r:id="rId2"/>
+              </a:rPr>
+              <a:t>https://github.com/marinfotache/Data-Processing-Analysis-Science-with-R/blob/master/08%20Data%20Visualization%20with%20-mostly-%20ggplot2/08b_categorical_variables_visualization.R</a:t>
+            </a:r>
+            <a:endParaRPr lang="en-US" sz="3000" dirty="0"/>
+          </a:p>
+          <a:p>
+            <a:pPr>
+              <a:lnSpc>
+                <a:spcPct val="110000"/>
+              </a:lnSpc>
+            </a:pPr>
+            <a:r>
+              <a:rPr lang="en-US" sz="3000" dirty="0"/>
+              <a:t>Covered chart types </a:t>
+            </a:r>
+          </a:p>
+          <a:p>
+            <a:pPr lvl="1">
+              <a:lnSpc>
+                <a:spcPct val="110000"/>
+              </a:lnSpc>
+            </a:pPr>
+            <a:r>
+              <a:rPr lang="en-US" sz="2600" dirty="0"/>
+              <a:t>Basic </a:t>
+            </a:r>
+            <a:r>
+              <a:rPr lang="en-US" sz="2600" dirty="0" err="1"/>
+              <a:t>barcharts</a:t>
+            </a:r>
+            <a:endParaRPr lang="en-US" sz="2600" dirty="0"/>
+          </a:p>
+          <a:p>
+            <a:pPr lvl="2">
+              <a:lnSpc>
+                <a:spcPct val="110000"/>
+              </a:lnSpc>
+            </a:pPr>
+            <a:r>
+              <a:rPr lang="en-US" sz="2400" dirty="0" err="1"/>
+              <a:t>Barcharts</a:t>
+            </a:r>
+            <a:r>
+              <a:rPr lang="en-US" sz="2400" dirty="0"/>
+              <a:t> of values (frequencies are pre-computed) </a:t>
+            </a:r>
+          </a:p>
+          <a:p>
+            <a:pPr lvl="2">
+              <a:lnSpc>
+                <a:spcPct val="110000"/>
+              </a:lnSpc>
+            </a:pPr>
+            <a:r>
+              <a:rPr lang="en-US" sz="2400" dirty="0" err="1"/>
+              <a:t>Barcharts</a:t>
+            </a:r>
+            <a:r>
+              <a:rPr lang="en-US" sz="2400" dirty="0"/>
+              <a:t> of counts </a:t>
+            </a:r>
+          </a:p>
+          <a:p>
+            <a:pPr lvl="2">
+              <a:lnSpc>
+                <a:spcPct val="110000"/>
+              </a:lnSpc>
+            </a:pPr>
+            <a:r>
+              <a:rPr lang="en-US" sz="2400" dirty="0" err="1"/>
+              <a:t>Barcharts</a:t>
+            </a:r>
+            <a:r>
+              <a:rPr lang="en-US" sz="2400" dirty="0"/>
+              <a:t> with two categorical variables   (side-by-side bars vs. faceting)</a:t>
+            </a:r>
+            <a:endParaRPr lang="en-US" sz="3000" dirty="0"/>
+          </a:p>
+          <a:p>
+            <a:pPr lvl="2">
+              <a:lnSpc>
+                <a:spcPct val="110000"/>
+              </a:lnSpc>
+            </a:pPr>
+            <a:r>
+              <a:rPr lang="en-US" sz="2400" dirty="0" err="1"/>
+              <a:t>Barcharts</a:t>
+            </a:r>
+            <a:r>
+              <a:rPr lang="en-US" sz="2400" dirty="0"/>
+              <a:t> with more categorical variables</a:t>
+            </a:r>
+          </a:p>
+          <a:p>
+            <a:pPr lvl="2">
+              <a:lnSpc>
+                <a:spcPct val="110000"/>
+              </a:lnSpc>
+            </a:pPr>
+            <a:r>
+              <a:rPr lang="en-US" sz="2400" dirty="0" err="1"/>
+              <a:t>Barcharts</a:t>
+            </a:r>
+            <a:r>
+              <a:rPr lang="en-US" sz="2400" dirty="0"/>
+              <a:t> with numeric x-axis</a:t>
+            </a:r>
+          </a:p>
+          <a:p>
+            <a:pPr lvl="1">
+              <a:lnSpc>
+                <a:spcPct val="110000"/>
+              </a:lnSpc>
+            </a:pPr>
+            <a:r>
+              <a:rPr lang="en-US" sz="2600" dirty="0"/>
+              <a:t>More on </a:t>
+            </a:r>
+            <a:r>
+              <a:rPr lang="en-US" sz="2600" dirty="0" err="1"/>
+              <a:t>barcharts</a:t>
+            </a:r>
+            <a:r>
+              <a:rPr lang="en-US" sz="2600" dirty="0"/>
+              <a:t>	</a:t>
+            </a:r>
+          </a:p>
+          <a:p>
+            <a:pPr lvl="2">
+              <a:lnSpc>
+                <a:spcPct val="110000"/>
+              </a:lnSpc>
+            </a:pPr>
+            <a:r>
+              <a:rPr lang="en-US" sz="2400" dirty="0"/>
+              <a:t>Bars and text justification</a:t>
+            </a:r>
+          </a:p>
+          <a:p>
+            <a:pPr lvl="2">
+              <a:lnSpc>
+                <a:spcPct val="110000"/>
+              </a:lnSpc>
+            </a:pPr>
+            <a:r>
+              <a:rPr lang="en-US" sz="2400" dirty="0"/>
+              <a:t>Bars and conditional text justification	</a:t>
+            </a:r>
+          </a:p>
+          <a:p>
+            <a:pPr lvl="2">
+              <a:lnSpc>
+                <a:spcPct val="110000"/>
+              </a:lnSpc>
+            </a:pPr>
+            <a:r>
+              <a:rPr lang="en-US" sz="2400" dirty="0"/>
+              <a:t>Changing the bar order 	</a:t>
+            </a:r>
+          </a:p>
+          <a:p>
+            <a:pPr lvl="1">
+              <a:lnSpc>
+                <a:spcPct val="110000"/>
+              </a:lnSpc>
+            </a:pPr>
+            <a:r>
+              <a:rPr lang="en-US" sz="2600" dirty="0"/>
+              <a:t>(A sort of) </a:t>
+            </a:r>
+            <a:r>
+              <a:rPr lang="en-US" sz="2600" dirty="0" err="1"/>
+              <a:t>Dotcharts</a:t>
+            </a:r>
+            <a:endParaRPr lang="en-US" sz="2600" dirty="0"/>
+          </a:p>
+          <a:p>
+            <a:pPr lvl="1">
+              <a:lnSpc>
+                <a:spcPct val="110000"/>
+              </a:lnSpc>
+            </a:pPr>
+            <a:r>
+              <a:rPr lang="en-US" sz="2600" dirty="0" err="1"/>
+              <a:t>Piecharts</a:t>
+            </a:r>
+            <a:endParaRPr lang="en-US" sz="2600" dirty="0"/>
+          </a:p>
+          <a:p>
+            <a:pPr lvl="1">
+              <a:lnSpc>
+                <a:spcPct val="110000"/>
+              </a:lnSpc>
+            </a:pPr>
+            <a:r>
+              <a:rPr lang="en-US" sz="2600" dirty="0"/>
+              <a:t>Association between categorical variables </a:t>
+            </a:r>
+          </a:p>
+          <a:p>
+            <a:pPr lvl="2">
+              <a:lnSpc>
+                <a:spcPct val="110000"/>
+              </a:lnSpc>
+            </a:pPr>
+            <a:r>
+              <a:rPr lang="en-US" sz="2400" dirty="0"/>
+              <a:t>Mosaic plots</a:t>
+            </a:r>
+          </a:p>
+          <a:p>
+            <a:pPr lvl="2">
+              <a:lnSpc>
+                <a:spcPct val="110000"/>
+              </a:lnSpc>
+            </a:pPr>
+            <a:r>
+              <a:rPr lang="en-US" sz="2400" dirty="0"/>
+              <a:t>Heatmaps</a:t>
+            </a:r>
+          </a:p>
+          <a:p>
+            <a:pPr marL="403225" lvl="1" indent="0">
+              <a:lnSpc>
+                <a:spcPct val="110000"/>
+              </a:lnSpc>
+              <a:buNone/>
+            </a:pPr>
+            <a:endParaRPr lang="en-US" sz="2600" dirty="0"/>
+          </a:p>
+          <a:p>
+            <a:pPr marL="403225" lvl="1" indent="0">
+              <a:lnSpc>
+                <a:spcPct val="110000"/>
+              </a:lnSpc>
+              <a:buNone/>
+            </a:pPr>
+            <a:endParaRPr lang="en-US" sz="2600" dirty="0"/>
+          </a:p>
+          <a:p>
+            <a:pPr marL="403225" lvl="1" indent="0">
+              <a:lnSpc>
+                <a:spcPct val="110000"/>
+              </a:lnSpc>
+              <a:buNone/>
+            </a:pPr>
+            <a:endParaRPr lang="en-US" sz="2600" dirty="0"/>
+          </a:p>
+          <a:p>
+            <a:pPr marL="403225" lvl="1" indent="0">
+              <a:lnSpc>
+                <a:spcPct val="110000"/>
+              </a:lnSpc>
+              <a:buNone/>
+            </a:pPr>
+            <a:endParaRPr lang="en-US" sz="2600" dirty="0"/>
+          </a:p>
+          <a:p>
+            <a:pPr lvl="1">
+              <a:lnSpc>
+                <a:spcPct val="110000"/>
+              </a:lnSpc>
+            </a:pPr>
+            <a:endParaRPr lang="en-US" sz="2600" dirty="0"/>
+          </a:p>
+          <a:p>
+            <a:pPr lvl="1">
+              <a:lnSpc>
+                <a:spcPct val="110000"/>
+              </a:lnSpc>
+            </a:pPr>
+            <a:endParaRPr lang="en-US" sz="2600" dirty="0"/>
+          </a:p>
+          <a:p>
+            <a:pPr marL="82296" indent="0">
+              <a:lnSpc>
+                <a:spcPct val="110000"/>
+              </a:lnSpc>
+              <a:buNone/>
+            </a:pPr>
+            <a:endParaRPr lang="en-US" sz="2400" dirty="0"/>
+          </a:p>
+          <a:p>
+            <a:pPr marL="82296" indent="0">
+              <a:lnSpc>
+                <a:spcPct val="110000"/>
+              </a:lnSpc>
+              <a:buNone/>
+            </a:pPr>
+            <a:endParaRPr lang="en-US" sz="2400" dirty="0"/>
+          </a:p>
+          <a:p>
+            <a:pPr marL="82296" indent="0">
+              <a:buNone/>
+            </a:pPr>
+            <a:endParaRPr lang="ro-RO" sz="3000" dirty="0"/>
+          </a:p>
+        </p:txBody>
+      </p:sp>
+    </p:spTree>
+    <p:extLst>
+      <p:ext uri="{BB962C8B-B14F-4D97-AF65-F5344CB8AC3E}">
+        <p14:creationId xmlns:p14="http://schemas.microsoft.com/office/powerpoint/2010/main" val="745202635"/>
+      </p:ext>
+    </p:extLst>
+  </p:cSld>
+  <p:clrMapOvr>
+    <a:masterClrMapping/>
+  </p:clrMapOvr>
+  <p:transition>
+    <p:random/>
+  </p:transition>
+</p:sld>
+</file>
+
+<file path=ppt/slides/slide8.xml><?xml version="1.0" encoding="utf-8"?>
+<p:sld xmlns:a="http://schemas.openxmlformats.org/drawingml/2006/main" xmlns:r="http://schemas.openxmlformats.org/officeDocument/2006/relationships" xmlns:p="http://schemas.openxmlformats.org/presentationml/2006/main">
+  <p:cSld>
+    <p:spTree>
+      <p:nvGrpSpPr>
+        <p:cNvPr id="1" name=""/>
+        <p:cNvGrpSpPr/>
+        <p:nvPr/>
+      </p:nvGrpSpPr>
+      <p:grpSpPr>
+        <a:xfrm>
+          <a:off x="0" y="0"/>
+          <a:ext cx="0" cy="0"/>
+          <a:chOff x="0" y="0"/>
+          <a:chExt cx="0" cy="0"/>
+        </a:xfrm>
+      </p:grpSpPr>
+      <p:sp>
+        <p:nvSpPr>
+          <p:cNvPr id="2" name="Title 1"/>
+          <p:cNvSpPr>
+            <a:spLocks noGrp="1"/>
+          </p:cNvSpPr>
+          <p:nvPr>
+            <p:ph type="title"/>
+          </p:nvPr>
+        </p:nvSpPr>
+        <p:spPr>
+          <a:xfrm>
+            <a:off x="609600" y="76200"/>
+            <a:ext cx="8382000" cy="1066800"/>
+          </a:xfrm>
+        </p:spPr>
+        <p:txBody>
+          <a:bodyPr anchor="ctr">
+            <a:normAutofit/>
+          </a:bodyPr>
+          <a:lstStyle/>
+          <a:p>
+            <a:pPr algn="ctr"/>
+            <a:r>
+              <a:rPr lang="en-US" dirty="0">
+                <a:latin typeface="Arial Unicode MS" panose="020B0604020202020204" pitchFamily="34" charset="-128"/>
+                <a:ea typeface="Arial Unicode MS" panose="020B0604020202020204" pitchFamily="34" charset="-128"/>
+                <a:cs typeface="Arial Unicode MS" panose="020B0604020202020204" pitchFamily="34" charset="-128"/>
+              </a:rPr>
               <a:t>Numerical Data Visualization</a:t>
             </a:r>
             <a:endParaRPr lang="en-US" sz="3600" b="1" dirty="0">
@@ -6919,7 +7080,7 @@
 </p:sld>
 </file>
 
-<file path=ppt/slides/slide8.xml><?xml version="1.0" encoding="utf-8"?>
+<file path=ppt/slides/slide9.xml><?xml version="1.0" encoding="utf-8"?>
 <p:sld xmlns:a="http://schemas.openxmlformats.org/drawingml/2006/main" xmlns:r="http://schemas.openxmlformats.org/officeDocument/2006/relationships" xmlns:p="http://schemas.openxmlformats.org/presentationml/2006/main">
   <p:cSld>
     <p:spTree>

--- a/08 Data Visualization with -mostly- ggplot2/08_ggplot2.pptx
+++ b/08 Data Visualization with -mostly- ggplot2/08_ggplot2.pptx
@@ -5823,20 +5823,19 @@
             </a:pPr>
             <a:r>
               <a:rPr lang="en-US" sz="3000" dirty="0"/>
-              <a:t>Claus O. Wilke - </a:t>
-            </a:r>
-            <a:r>
-              <a:rPr lang="en-US" sz="3000" i="1" dirty="0"/>
-              <a:t>Fundamentals of Data Visualization</a:t>
+              <a:t>Wilke, C.O. (2019). Fundamentals of Data Visualization. </a:t>
+            </a:r>
+            <a:r>
+              <a:rPr lang="en-US" sz="3000" dirty="0" err="1"/>
+              <a:t>O’Reill</a:t>
             </a:r>
             <a:r>
               <a:rPr lang="en-US" sz="3000" dirty="0"/>
-              <a:t> (2018)</a:t>
-            </a:r>
-            <a:endParaRPr lang="en-US" sz="2600" dirty="0"/>
-          </a:p>
-          <a:p>
-            <a:pPr marL="403225" lvl="1" indent="0">
+              <a:t>, freely available on: </a:t>
+            </a:r>
+          </a:p>
+          <a:p>
+            <a:pPr marL="82296" indent="0">
               <a:lnSpc>
                 <a:spcPct val="110000"/>
               </a:lnSpc>
@@ -5844,11 +5843,20 @@
             </a:pPr>
             <a:r>
               <a:rPr lang="en-US" sz="2600" dirty="0">
-                <a:hlinkClick r:id="rId2"/>
+                <a:latin typeface="Arial"/>
+                <a:hlinkClick r:id="rId2">
+                  <a:extLst>
+                    <a:ext uri="{A12FA001-AC4F-418D-AE19-62706E023703}">
+                      <ahyp:hlinkClr xmlns:ahyp="http://schemas.microsoft.com/office/drawing/2018/hyperlinkcolor" val="tx"/>
+                    </a:ext>
+                  </a:extLst>
+                </a:hlinkClick>
               </a:rPr>
-              <a:t>https://serialmentor.com/dataviz/</a:t>
-            </a:r>
-            <a:endParaRPr lang="en-US" sz="3000" dirty="0"/>
+              <a:t>https://clauswilke.com/dataviz/</a:t>
+            </a:r>
+            <a:endParaRPr lang="en-US" sz="2600" dirty="0">
+              <a:latin typeface="Arial"/>
+            </a:endParaRPr>
           </a:p>
           <a:p>
             <a:pPr>
@@ -6153,7 +6161,7 @@
         </p:spPr>
         <p:txBody>
           <a:bodyPr>
-            <a:normAutofit lnSpcReduction="10000"/>
+            <a:normAutofit fontScale="85000" lnSpcReduction="20000"/>
           </a:bodyPr>
           <a:lstStyle/>
           <a:p>
@@ -6198,7 +6206,7 @@
               </a:lnSpc>
               <a:buNone/>
             </a:pPr>
-            <a:endParaRPr lang="en-US" sz="3000" dirty="0"/>
+            <a:endParaRPr lang="en-US" sz="1000" dirty="0"/>
           </a:p>
           <a:p>
             <a:pPr>
@@ -6242,6 +6250,40 @@
                 <a:hlinkClick r:id="rId4"/>
               </a:rPr>
               <a:t>https://www.youtube.com/watch?v=0m4yywqNPVY&amp;feature=youtu.be</a:t>
+            </a:r>
+            <a:endParaRPr lang="en-GB" dirty="0"/>
+          </a:p>
+          <a:p>
+            <a:pPr>
+              <a:lnSpc>
+                <a:spcPct val="110000"/>
+              </a:lnSpc>
+            </a:pPr>
+            <a:endParaRPr lang="en-US" sz="1000" dirty="0"/>
+          </a:p>
+          <a:p>
+            <a:pPr>
+              <a:lnSpc>
+                <a:spcPct val="110000"/>
+              </a:lnSpc>
+            </a:pPr>
+            <a:r>
+              <a:rPr lang="en-US" sz="3000" dirty="0"/>
+              <a:t>Cedric Scherer - A GGPLOT2 TUTORIAL FOR BEAUTIFUL PLOTTING IN R (2019-2022)</a:t>
+            </a:r>
+          </a:p>
+          <a:p>
+            <a:pPr marL="82296" indent="0">
+              <a:lnSpc>
+                <a:spcPct val="110000"/>
+              </a:lnSpc>
+              <a:buNone/>
+            </a:pPr>
+            <a:r>
+              <a:rPr lang="en-US" sz="3000" dirty="0">
+                <a:hlinkClick r:id="rId5"/>
+              </a:rPr>
+              <a:t>https://cedricscherer.netlify.app/2019/08/05/a-ggplot2-tutorial-for-beautiful-plotting-in-r/</a:t>
             </a:r>
             <a:endParaRPr lang="en-US" sz="3000" dirty="0"/>
           </a:p>

--- a/08 Data Visualization with -mostly- ggplot2/08_ggplot2.pptx
+++ b/08 Data Visualization with -mostly- ggplot2/08_ggplot2.pptx
@@ -5236,7 +5236,7 @@
         </p:spPr>
         <p:txBody>
           <a:bodyPr>
-            <a:normAutofit fontScale="92500"/>
+            <a:normAutofit fontScale="77500" lnSpcReduction="20000"/>
           </a:bodyPr>
           <a:lstStyle/>
           <a:p>
@@ -5285,10 +5285,11 @@
             <a:endParaRPr lang="en-US" sz="2600" dirty="0"/>
           </a:p>
           <a:p>
-            <a:pPr>
-              <a:lnSpc>
-                <a:spcPct val="110000"/>
-              </a:lnSpc>
+            <a:pPr marL="82296" indent="0">
+              <a:lnSpc>
+                <a:spcPct val="110000"/>
+              </a:lnSpc>
+              <a:buNone/>
             </a:pPr>
             <a:endParaRPr lang="en-US" sz="3000" dirty="0"/>
           </a:p>
@@ -5335,6 +5336,59 @@
               </a:rPr>
               <a:t>https://m-clark.github.io/data-processing-and-visualization/thinking_vis.html</a:t>
             </a:r>
+            <a:endParaRPr lang="en-US" sz="2600" dirty="0"/>
+          </a:p>
+          <a:p>
+            <a:pPr marL="403225" lvl="1" indent="0">
+              <a:lnSpc>
+                <a:spcPct val="110000"/>
+              </a:lnSpc>
+              <a:buNone/>
+            </a:pPr>
+            <a:endParaRPr lang="en-US" sz="2600" dirty="0"/>
+          </a:p>
+          <a:p>
+            <a:pPr>
+              <a:lnSpc>
+                <a:spcPct val="110000"/>
+              </a:lnSpc>
+            </a:pPr>
+            <a:r>
+              <a:rPr lang="en-US" sz="3000" dirty="0"/>
+              <a:t>Claus O. Wilke - </a:t>
+            </a:r>
+            <a:r>
+              <a:rPr lang="en-US" sz="3000" i="1" dirty="0"/>
+              <a:t>Fundamentals of Data Visualization</a:t>
+            </a:r>
+            <a:r>
+              <a:rPr lang="en-US" sz="3000" dirty="0"/>
+              <a:t> (O’Reilly, 2019)</a:t>
+            </a:r>
+            <a:endParaRPr lang="en-US" sz="2600" dirty="0"/>
+          </a:p>
+          <a:p>
+            <a:pPr marL="403225" lvl="1" indent="0">
+              <a:lnSpc>
+                <a:spcPct val="110000"/>
+              </a:lnSpc>
+              <a:buNone/>
+            </a:pPr>
+            <a:r>
+              <a:rPr lang="en-US" sz="2600" dirty="0">
+                <a:hlinkClick r:id="rId4"/>
+              </a:rPr>
+              <a:t>https://clauswilke.com/dataviz/</a:t>
+            </a:r>
+            <a:endParaRPr lang="en-US" sz="2600" dirty="0"/>
+          </a:p>
+          <a:p>
+            <a:pPr marL="403225" lvl="1" indent="0">
+              <a:lnSpc>
+                <a:spcPct val="110000"/>
+              </a:lnSpc>
+              <a:buNone/>
+            </a:pPr>
             <a:endParaRPr lang="en-US" sz="2600" dirty="0"/>
           </a:p>
           <a:p>
